--- a/instructor/l10/l10-pad.pptx
+++ b/instructor/l10/l10-pad.pptx
@@ -270,7 +270,7 @@
           <a:p>
             <a:fld id="{0A6490CE-BE8E-7E4B-9B67-11CEB3AEEF49}" type="datetimeFigureOut">
               <a:rPr lang="en-US" smtClean="0"/>
-              <a:t>10/16/23</a:t>
+              <a:t>10/17/23</a:t>
             </a:fld>
             <a:endParaRPr lang="en-US"/>
           </a:p>
@@ -468,7 +468,7 @@
           <a:p>
             <a:fld id="{0A6490CE-BE8E-7E4B-9B67-11CEB3AEEF49}" type="datetimeFigureOut">
               <a:rPr lang="en-US" smtClean="0"/>
-              <a:t>10/16/23</a:t>
+              <a:t>10/17/23</a:t>
             </a:fld>
             <a:endParaRPr lang="en-US"/>
           </a:p>
@@ -676,7 +676,7 @@
           <a:p>
             <a:fld id="{0A6490CE-BE8E-7E4B-9B67-11CEB3AEEF49}" type="datetimeFigureOut">
               <a:rPr lang="en-US" smtClean="0"/>
-              <a:t>10/16/23</a:t>
+              <a:t>10/17/23</a:t>
             </a:fld>
             <a:endParaRPr lang="en-US"/>
           </a:p>
@@ -874,7 +874,7 @@
           <a:p>
             <a:fld id="{0A6490CE-BE8E-7E4B-9B67-11CEB3AEEF49}" type="datetimeFigureOut">
               <a:rPr lang="en-US" smtClean="0"/>
-              <a:t>10/16/23</a:t>
+              <a:t>10/17/23</a:t>
             </a:fld>
             <a:endParaRPr lang="en-US"/>
           </a:p>
@@ -1149,7 +1149,7 @@
           <a:p>
             <a:fld id="{0A6490CE-BE8E-7E4B-9B67-11CEB3AEEF49}" type="datetimeFigureOut">
               <a:rPr lang="en-US" smtClean="0"/>
-              <a:t>10/16/23</a:t>
+              <a:t>10/17/23</a:t>
             </a:fld>
             <a:endParaRPr lang="en-US"/>
           </a:p>
@@ -1414,7 +1414,7 @@
           <a:p>
             <a:fld id="{0A6490CE-BE8E-7E4B-9B67-11CEB3AEEF49}" type="datetimeFigureOut">
               <a:rPr lang="en-US" smtClean="0"/>
-              <a:t>10/16/23</a:t>
+              <a:t>10/17/23</a:t>
             </a:fld>
             <a:endParaRPr lang="en-US"/>
           </a:p>
@@ -1826,7 +1826,7 @@
           <a:p>
             <a:fld id="{0A6490CE-BE8E-7E4B-9B67-11CEB3AEEF49}" type="datetimeFigureOut">
               <a:rPr lang="en-US" smtClean="0"/>
-              <a:t>10/16/23</a:t>
+              <a:t>10/17/23</a:t>
             </a:fld>
             <a:endParaRPr lang="en-US"/>
           </a:p>
@@ -1967,7 +1967,7 @@
           <a:p>
             <a:fld id="{0A6490CE-BE8E-7E4B-9B67-11CEB3AEEF49}" type="datetimeFigureOut">
               <a:rPr lang="en-US" smtClean="0"/>
-              <a:t>10/16/23</a:t>
+              <a:t>10/17/23</a:t>
             </a:fld>
             <a:endParaRPr lang="en-US"/>
           </a:p>
@@ -2080,7 +2080,7 @@
           <a:p>
             <a:fld id="{0A6490CE-BE8E-7E4B-9B67-11CEB3AEEF49}" type="datetimeFigureOut">
               <a:rPr lang="en-US" smtClean="0"/>
-              <a:t>10/16/23</a:t>
+              <a:t>10/17/23</a:t>
             </a:fld>
             <a:endParaRPr lang="en-US"/>
           </a:p>
@@ -2391,7 +2391,7 @@
           <a:p>
             <a:fld id="{0A6490CE-BE8E-7E4B-9B67-11CEB3AEEF49}" type="datetimeFigureOut">
               <a:rPr lang="en-US" smtClean="0"/>
-              <a:t>10/16/23</a:t>
+              <a:t>10/17/23</a:t>
             </a:fld>
             <a:endParaRPr lang="en-US"/>
           </a:p>
@@ -2679,7 +2679,7 @@
           <a:p>
             <a:fld id="{0A6490CE-BE8E-7E4B-9B67-11CEB3AEEF49}" type="datetimeFigureOut">
               <a:rPr lang="en-US" smtClean="0"/>
-              <a:t>10/16/23</a:t>
+              <a:t>10/17/23</a:t>
             </a:fld>
             <a:endParaRPr lang="en-US"/>
           </a:p>
@@ -2920,7 +2920,7 @@
           <a:p>
             <a:fld id="{0A6490CE-BE8E-7E4B-9B67-11CEB3AEEF49}" type="datetimeFigureOut">
               <a:rPr lang="en-US" smtClean="0"/>
-              <a:t>10/16/23</a:t>
+              <a:t>10/17/23</a:t>
             </a:fld>
             <a:endParaRPr lang="en-US"/>
           </a:p>
@@ -3410,14 +3410,14 @@
             <a:pPr lvl="1"/>
             <a:r>
               <a:rPr lang="en-US" dirty="0"/>
-              <a:t>just trusting recursions as usual</a:t>
+              <a:t>just trusting natural recursions as usual</a:t>
             </a:r>
           </a:p>
           <a:p>
             <a:pPr lvl="1"/>
             <a:r>
               <a:rPr lang="en-US" dirty="0"/>
-              <a:t>not blind trust - we are getting base, contribution and contribution right!</a:t>
+              <a:t>not blind trust - we have to get base, contribution and contribution right!</a:t>
             </a:r>
           </a:p>
           <a:p>
@@ -3672,10 +3672,10 @@
       </p:grpSpPr>
       <p:pic>
         <p:nvPicPr>
-          <p:cNvPr id="5" name="Picture 4">
-            <a:extLst>
-              <a:ext uri="{FF2B5EF4-FFF2-40B4-BE49-F238E27FC236}">
-                <a16:creationId xmlns:a16="http://schemas.microsoft.com/office/drawing/2014/main" id="{25E1B91D-DEB4-7DE9-6A24-87BF9A37B558}"/>
+          <p:cNvPr id="3" name="Picture 2">
+            <a:extLst>
+              <a:ext uri="{FF2B5EF4-FFF2-40B4-BE49-F238E27FC236}">
+                <a16:creationId xmlns:a16="http://schemas.microsoft.com/office/drawing/2014/main" id="{AAE4359F-E159-9689-DA39-01824EE48BB7}"/>
               </a:ext>
             </a:extLst>
           </p:cNvPr>
@@ -3692,8 +3692,8 @@
         </p:blipFill>
         <p:spPr>
           <a:xfrm>
-            <a:off x="2209800" y="1152469"/>
-            <a:ext cx="7772400" cy="4553062"/>
+            <a:off x="2209800" y="836301"/>
+            <a:ext cx="7772400" cy="5185398"/>
           </a:xfrm>
           <a:prstGeom prst="rect">
             <a:avLst/>
@@ -3732,10 +3732,10 @@
       </p:grpSpPr>
       <p:pic>
         <p:nvPicPr>
-          <p:cNvPr id="2" name="Picture 1">
-            <a:extLst>
-              <a:ext uri="{FF2B5EF4-FFF2-40B4-BE49-F238E27FC236}">
-                <a16:creationId xmlns:a16="http://schemas.microsoft.com/office/drawing/2014/main" id="{324733C8-B336-C976-8266-4BC432D51A02}"/>
+          <p:cNvPr id="3" name="Picture 2">
+            <a:extLst>
+              <a:ext uri="{FF2B5EF4-FFF2-40B4-BE49-F238E27FC236}">
+                <a16:creationId xmlns:a16="http://schemas.microsoft.com/office/drawing/2014/main" id="{5EFEA366-805F-1E6A-7101-3F19E44E1CA6}"/>
               </a:ext>
             </a:extLst>
           </p:cNvPr>
@@ -3752,8 +3752,8 @@
         </p:blipFill>
         <p:spPr>
           <a:xfrm>
-            <a:off x="2209800" y="260422"/>
-            <a:ext cx="7772400" cy="6337155"/>
+            <a:off x="2209800" y="203593"/>
+            <a:ext cx="7772400" cy="6450814"/>
           </a:xfrm>
           <a:prstGeom prst="rect">
             <a:avLst/>
@@ -3792,10 +3792,10 @@
       </p:grpSpPr>
       <p:pic>
         <p:nvPicPr>
-          <p:cNvPr id="5" name="Picture 4">
-            <a:extLst>
-              <a:ext uri="{FF2B5EF4-FFF2-40B4-BE49-F238E27FC236}">
-                <a16:creationId xmlns:a16="http://schemas.microsoft.com/office/drawing/2014/main" id="{6DE1B30F-DB98-D500-3328-A4D03FB52EDB}"/>
+          <p:cNvPr id="7" name="Picture 6">
+            <a:extLst>
+              <a:ext uri="{FF2B5EF4-FFF2-40B4-BE49-F238E27FC236}">
+                <a16:creationId xmlns:a16="http://schemas.microsoft.com/office/drawing/2014/main" id="{D3460867-6970-415F-B178-B220096FC64C}"/>
               </a:ext>
             </a:extLst>
           </p:cNvPr>
@@ -3812,8 +3812,8 @@
         </p:blipFill>
         <p:spPr>
           <a:xfrm>
-            <a:off x="2269095" y="830576"/>
-            <a:ext cx="6726851" cy="6027423"/>
+            <a:off x="2209800" y="167853"/>
+            <a:ext cx="7772400" cy="6522293"/>
           </a:xfrm>
           <a:prstGeom prst="rect">
             <a:avLst/>
@@ -3834,8 +3834,8 @@
         </p:nvSpPr>
         <p:spPr>
           <a:xfrm>
-            <a:off x="1345843" y="1680570"/>
-            <a:ext cx="3027841" cy="4649484"/>
+            <a:off x="1597215" y="1186588"/>
+            <a:ext cx="3041020" cy="4842175"/>
           </a:xfrm>
           <a:custGeom>
             <a:avLst/>
@@ -3852,6 +3852,18 @@
               <a:gd name="connsiteY1" fmla="*/ 3153104 h 3638911"/>
               <a:gd name="connsiteX2" fmla="*/ 2229054 w 3027841"/>
               <a:gd name="connsiteY2" fmla="*/ 0 h 3638911"/>
+              <a:gd name="connsiteX0" fmla="*/ 3028718 w 3028718"/>
+              <a:gd name="connsiteY0" fmla="*/ 3778723 h 3902140"/>
+              <a:gd name="connsiteX1" fmla="*/ 12249 w 3028718"/>
+              <a:gd name="connsiteY1" fmla="*/ 3416333 h 3902140"/>
+              <a:gd name="connsiteX2" fmla="*/ 2135338 w 3028718"/>
+              <a:gd name="connsiteY2" fmla="*/ 0 h 3902140"/>
+              <a:gd name="connsiteX0" fmla="*/ 2860640 w 2860640"/>
+              <a:gd name="connsiteY0" fmla="*/ 3736684 h 3873578"/>
+              <a:gd name="connsiteX1" fmla="*/ 12249 w 2860640"/>
+              <a:gd name="connsiteY1" fmla="*/ 3416333 h 3873578"/>
+              <a:gd name="connsiteX2" fmla="*/ 2135338 w 2860640"/>
+              <a:gd name="connsiteY2" fmla="*/ 0 h 3873578"/>
             </a:gdLst>
             <a:ahLst/>
             <a:cxnLst>
@@ -3867,19 +3879,19 @@
             </a:cxnLst>
             <a:rect l="l" t="t" r="r" b="b"/>
             <a:pathLst>
-              <a:path w="3027841" h="3638911">
+              <a:path w="2860640" h="3873578">
                 <a:moveTo>
-                  <a:pt x="3027841" y="3515494"/>
+                  <a:pt x="2860640" y="3736684"/>
                 </a:moveTo>
                 <a:cubicBezTo>
-                  <a:pt x="1568655" y="3730080"/>
-                  <a:pt x="151510" y="3697890"/>
-                  <a:pt x="11372" y="3153104"/>
+                  <a:pt x="1401454" y="3951270"/>
+                  <a:pt x="152387" y="3961119"/>
+                  <a:pt x="12249" y="3416333"/>
                 </a:cubicBezTo>
                 <a:cubicBezTo>
-                  <a:pt x="-128766" y="2608318"/>
-                  <a:pt x="1050144" y="1304159"/>
-                  <a:pt x="2229054" y="0"/>
+                  <a:pt x="-127889" y="2871547"/>
+                  <a:pt x="956428" y="1304159"/>
+                  <a:pt x="2135338" y="0"/>
                 </a:cubicBezTo>
               </a:path>
             </a:pathLst>
@@ -3932,8 +3944,8 @@
         </p:nvSpPr>
         <p:spPr>
           <a:xfrm>
-            <a:off x="4415726" y="3795021"/>
-            <a:ext cx="1606702" cy="987185"/>
+            <a:off x="4762570" y="3595325"/>
+            <a:ext cx="1438592" cy="1081778"/>
           </a:xfrm>
           <a:custGeom>
             <a:avLst/>
@@ -3944,6 +3956,24 @@
               <a:gd name="connsiteY1" fmla="*/ 185195 h 775504"/>
               <a:gd name="connsiteX2" fmla="*/ 0 w 1027371"/>
               <a:gd name="connsiteY2" fmla="*/ 775504 h 775504"/>
+              <a:gd name="connsiteX0" fmla="*/ 1183970 w 1220351"/>
+              <a:gd name="connsiteY0" fmla="*/ 0 h 990176"/>
+              <a:gd name="connsiteX1" fmla="*/ 960699 w 1220351"/>
+              <a:gd name="connsiteY1" fmla="*/ 399867 h 990176"/>
+              <a:gd name="connsiteX2" fmla="*/ 0 w 1220351"/>
+              <a:gd name="connsiteY2" fmla="*/ 990176 h 990176"/>
+              <a:gd name="connsiteX0" fmla="*/ 962189 w 998570"/>
+              <a:gd name="connsiteY0" fmla="*/ 0 h 907610"/>
+              <a:gd name="connsiteX1" fmla="*/ 738918 w 998570"/>
+              <a:gd name="connsiteY1" fmla="*/ 399867 h 907610"/>
+              <a:gd name="connsiteX2" fmla="*/ 0 w 998570"/>
+              <a:gd name="connsiteY2" fmla="*/ 907610 h 907610"/>
+              <a:gd name="connsiteX0" fmla="*/ 868100 w 919877"/>
+              <a:gd name="connsiteY0" fmla="*/ 0 h 849813"/>
+              <a:gd name="connsiteX1" fmla="*/ 738918 w 919877"/>
+              <a:gd name="connsiteY1" fmla="*/ 342070 h 849813"/>
+              <a:gd name="connsiteX2" fmla="*/ 0 w 919877"/>
+              <a:gd name="connsiteY2" fmla="*/ 849813 h 849813"/>
             </a:gdLst>
             <a:ahLst/>
             <a:cxnLst>
@@ -3959,19 +3989,19 @@
             </a:cxnLst>
             <a:rect l="l" t="t" r="r" b="b"/>
             <a:pathLst>
-              <a:path w="1027371" h="775504">
+              <a:path w="919877" h="849813">
                 <a:moveTo>
-                  <a:pt x="868101" y="0"/>
+                  <a:pt x="868100" y="0"/>
                 </a:moveTo>
                 <a:cubicBezTo>
-                  <a:pt x="986742" y="27972"/>
-                  <a:pt x="1105383" y="55944"/>
-                  <a:pt x="960699" y="185195"/>
+                  <a:pt x="986741" y="27972"/>
+                  <a:pt x="883602" y="212819"/>
+                  <a:pt x="738918" y="342070"/>
                 </a:cubicBezTo>
                 <a:cubicBezTo>
-                  <a:pt x="816015" y="314446"/>
-                  <a:pt x="408007" y="544975"/>
-                  <a:pt x="0" y="775504"/>
+                  <a:pt x="594234" y="471321"/>
+                  <a:pt x="408007" y="619284"/>
+                  <a:pt x="0" y="849813"/>
                 </a:cubicBezTo>
               </a:path>
             </a:pathLst>
@@ -4024,8 +4054,8 @@
         </p:nvSpPr>
         <p:spPr>
           <a:xfrm>
-            <a:off x="4787443" y="4445876"/>
-            <a:ext cx="1949688" cy="1351015"/>
+            <a:off x="5333983" y="4460419"/>
+            <a:ext cx="2086329" cy="1599232"/>
           </a:xfrm>
           <a:custGeom>
             <a:avLst/>
@@ -4036,6 +4066,24 @@
               <a:gd name="connsiteY1" fmla="*/ 37669 h 1009943"/>
               <a:gd name="connsiteX2" fmla="*/ 0 w 1370739"/>
               <a:gd name="connsiteY2" fmla="*/ 292312 h 1009943"/>
+              <a:gd name="connsiteX0" fmla="*/ 715348 w 986492"/>
+              <a:gd name="connsiteY0" fmla="*/ 1027605 h 1027605"/>
+              <a:gd name="connsiteX1" fmla="*/ 912117 w 986492"/>
+              <a:gd name="connsiteY1" fmla="*/ 55331 h 1027605"/>
+              <a:gd name="connsiteX2" fmla="*/ 0 w 986492"/>
+              <a:gd name="connsiteY2" fmla="*/ 207834 h 1027605"/>
+              <a:gd name="connsiteX0" fmla="*/ 722737 w 987990"/>
+              <a:gd name="connsiteY0" fmla="*/ 1224029 h 1224029"/>
+              <a:gd name="connsiteX1" fmla="*/ 912117 w 987990"/>
+              <a:gd name="connsiteY1" fmla="*/ 55331 h 1224029"/>
+              <a:gd name="connsiteX2" fmla="*/ 0 w 987990"/>
+              <a:gd name="connsiteY2" fmla="*/ 207834 h 1224029"/>
+              <a:gd name="connsiteX0" fmla="*/ 722737 w 1466805"/>
+              <a:gd name="connsiteY0" fmla="*/ 1195496 h 1195496"/>
+              <a:gd name="connsiteX1" fmla="*/ 1436761 w 1466805"/>
+              <a:gd name="connsiteY1" fmla="*/ 66083 h 1195496"/>
+              <a:gd name="connsiteX2" fmla="*/ 0 w 1466805"/>
+              <a:gd name="connsiteY2" fmla="*/ 179301 h 1195496"/>
             </a:gdLst>
             <a:ahLst/>
             <a:cxnLst>
@@ -4051,19 +4099,19 @@
             </a:cxnLst>
             <a:rect l="l" t="t" r="r" b="b"/>
             <a:pathLst>
-              <a:path w="1370739" h="1009943">
+              <a:path w="1466805" h="1195496">
                 <a:moveTo>
-                  <a:pt x="1099595" y="1009943"/>
+                  <a:pt x="722737" y="1195496"/>
                 </a:moveTo>
                 <a:cubicBezTo>
-                  <a:pt x="1289612" y="583608"/>
-                  <a:pt x="1479630" y="157274"/>
-                  <a:pt x="1296364" y="37669"/>
+                  <a:pt x="912754" y="769161"/>
+                  <a:pt x="1620027" y="185688"/>
+                  <a:pt x="1436761" y="66083"/>
                 </a:cubicBezTo>
                 <a:cubicBezTo>
-                  <a:pt x="1113098" y="-81936"/>
-                  <a:pt x="556549" y="105188"/>
-                  <a:pt x="0" y="292312"/>
+                  <a:pt x="1253495" y="-53522"/>
+                  <a:pt x="556549" y="-7823"/>
+                  <a:pt x="0" y="179301"/>
                 </a:cubicBezTo>
               </a:path>
             </a:pathLst>
@@ -4137,7 +4185,7 @@
                   <a:srgbClr val="FF0000"/>
                 </a:solidFill>
               </a:rPr>
-              <a:t>mutual reference means these functions come in pairs (2 </a:t>
+              <a:t>mutual recursion means these functions come in pairs (2 </a:t>
             </a:r>
             <a:r>
               <a:rPr lang="en-US" sz="2800" u="sng" dirty="0">
@@ -4172,7 +4220,7 @@
         </p:nvSpPr>
         <p:spPr>
           <a:xfrm>
-            <a:off x="6768209" y="4782206"/>
+            <a:off x="7332034" y="4677103"/>
             <a:ext cx="746235" cy="461665"/>
           </a:xfrm>
           <a:prstGeom prst="rect">
@@ -4211,7 +4259,7 @@
         </p:nvSpPr>
         <p:spPr>
           <a:xfrm>
-            <a:off x="6096000" y="3799490"/>
+            <a:off x="6201162" y="3566207"/>
             <a:ext cx="927785" cy="461665"/>
           </a:xfrm>
           <a:prstGeom prst="rect">
@@ -4250,7 +4298,7 @@
         </p:nvSpPr>
         <p:spPr>
           <a:xfrm>
-            <a:off x="1805202" y="2699273"/>
+            <a:off x="1889286" y="2457542"/>
             <a:ext cx="927785" cy="461665"/>
           </a:xfrm>
           <a:prstGeom prst="rect">
@@ -4369,7 +4417,7 @@
                   <a:srgbClr val="FF0000"/>
                 </a:solidFill>
               </a:rPr>
-              <a:t>S1, S2, G4 etc. are the</a:t>
+              <a:t>L1, L2, I4 etc. are the</a:t>
             </a:r>
           </a:p>
           <a:p>
@@ -4384,6 +4432,1110 @@
           </a:p>
         </p:txBody>
       </p:sp>
+      <p:grpSp>
+        <p:nvGrpSpPr>
+          <p:cNvPr id="6" name="Group 5">
+            <a:extLst>
+              <a:ext uri="{FF2B5EF4-FFF2-40B4-BE49-F238E27FC236}">
+                <a16:creationId xmlns:a16="http://schemas.microsoft.com/office/drawing/2014/main" id="{2DB1990D-2FCF-B9A5-E8E1-6A91809D68F5}"/>
+              </a:ext>
+            </a:extLst>
+          </p:cNvPr>
+          <p:cNvGrpSpPr/>
+          <p:nvPr/>
+        </p:nvGrpSpPr>
+        <p:grpSpPr>
+          <a:xfrm>
+            <a:off x="2590800" y="4712262"/>
+            <a:ext cx="642280" cy="646331"/>
+            <a:chOff x="1008994" y="3272345"/>
+            <a:chExt cx="642280" cy="646331"/>
+          </a:xfrm>
+        </p:grpSpPr>
+        <p:sp>
+          <p:nvSpPr>
+            <p:cNvPr id="5" name="Rectangle 4">
+              <a:extLst>
+                <a:ext uri="{FF2B5EF4-FFF2-40B4-BE49-F238E27FC236}">
+                  <a16:creationId xmlns:a16="http://schemas.microsoft.com/office/drawing/2014/main" id="{31027B14-41B3-19EA-12C4-2488B99E91FA}"/>
+                </a:ext>
+              </a:extLst>
+            </p:cNvPr>
+            <p:cNvSpPr/>
+            <p:nvPr/>
+          </p:nvSpPr>
+          <p:spPr>
+            <a:xfrm>
+              <a:off x="1031164" y="3385303"/>
+              <a:ext cx="620110" cy="420413"/>
+            </a:xfrm>
+            <a:prstGeom prst="rect">
+              <a:avLst/>
+            </a:prstGeom>
+            <a:solidFill>
+              <a:schemeClr val="bg1"/>
+            </a:solidFill>
+            <a:ln>
+              <a:solidFill>
+                <a:schemeClr val="bg1"/>
+              </a:solidFill>
+            </a:ln>
+          </p:spPr>
+          <p:style>
+            <a:lnRef idx="2">
+              <a:schemeClr val="accent1">
+                <a:shade val="15000"/>
+              </a:schemeClr>
+            </a:lnRef>
+            <a:fillRef idx="1">
+              <a:schemeClr val="accent1"/>
+            </a:fillRef>
+            <a:effectRef idx="0">
+              <a:schemeClr val="accent1"/>
+            </a:effectRef>
+            <a:fontRef idx="minor">
+              <a:schemeClr val="lt1"/>
+            </a:fontRef>
+          </p:style>
+          <p:txBody>
+            <a:bodyPr rtlCol="0" anchor="ctr"/>
+            <a:lstStyle/>
+            <a:p>
+              <a:pPr algn="ctr"/>
+              <a:endParaRPr lang="en-US"/>
+            </a:p>
+          </p:txBody>
+        </p:sp>
+        <p:sp>
+          <p:nvSpPr>
+            <p:cNvPr id="4" name="TextBox 3">
+              <a:extLst>
+                <a:ext uri="{FF2B5EF4-FFF2-40B4-BE49-F238E27FC236}">
+                  <a16:creationId xmlns:a16="http://schemas.microsoft.com/office/drawing/2014/main" id="{008298CD-81E4-940C-1D30-FB21A537454A}"/>
+                </a:ext>
+              </a:extLst>
+            </p:cNvPr>
+            <p:cNvSpPr txBox="1"/>
+            <p:nvPr/>
+          </p:nvSpPr>
+          <p:spPr>
+            <a:xfrm>
+              <a:off x="1008994" y="3272345"/>
+              <a:ext cx="620110" cy="646331"/>
+            </a:xfrm>
+            <a:prstGeom prst="rect">
+              <a:avLst/>
+            </a:prstGeom>
+            <a:noFill/>
+          </p:spPr>
+          <p:txBody>
+            <a:bodyPr wrap="square" rtlCol="0">
+              <a:spAutoFit/>
+            </a:bodyPr>
+            <a:lstStyle/>
+            <a:p>
+              <a:r>
+                <a:rPr lang="en-US" sz="3600" dirty="0"/>
+                <a:t>L1</a:t>
+              </a:r>
+            </a:p>
+          </p:txBody>
+        </p:sp>
+      </p:grpSp>
+      <p:grpSp>
+        <p:nvGrpSpPr>
+          <p:cNvPr id="7" name="Group 6">
+            <a:extLst>
+              <a:ext uri="{FF2B5EF4-FFF2-40B4-BE49-F238E27FC236}">
+                <a16:creationId xmlns:a16="http://schemas.microsoft.com/office/drawing/2014/main" id="{733D96F9-3158-B026-CEDD-5ED97E6BFDE2}"/>
+              </a:ext>
+            </a:extLst>
+          </p:cNvPr>
+          <p:cNvGrpSpPr/>
+          <p:nvPr/>
+        </p:nvGrpSpPr>
+        <p:grpSpPr>
+          <a:xfrm>
+            <a:off x="3836275" y="4712262"/>
+            <a:ext cx="642280" cy="646331"/>
+            <a:chOff x="1008994" y="3272345"/>
+            <a:chExt cx="642280" cy="646331"/>
+          </a:xfrm>
+        </p:grpSpPr>
+        <p:sp>
+          <p:nvSpPr>
+            <p:cNvPr id="8" name="Rectangle 7">
+              <a:extLst>
+                <a:ext uri="{FF2B5EF4-FFF2-40B4-BE49-F238E27FC236}">
+                  <a16:creationId xmlns:a16="http://schemas.microsoft.com/office/drawing/2014/main" id="{D7246F42-DD73-A906-7EBF-911370C9BBBA}"/>
+                </a:ext>
+              </a:extLst>
+            </p:cNvPr>
+            <p:cNvSpPr/>
+            <p:nvPr/>
+          </p:nvSpPr>
+          <p:spPr>
+            <a:xfrm>
+              <a:off x="1031164" y="3385303"/>
+              <a:ext cx="620110" cy="420413"/>
+            </a:xfrm>
+            <a:prstGeom prst="rect">
+              <a:avLst/>
+            </a:prstGeom>
+            <a:solidFill>
+              <a:schemeClr val="bg1"/>
+            </a:solidFill>
+            <a:ln>
+              <a:solidFill>
+                <a:schemeClr val="bg1"/>
+              </a:solidFill>
+            </a:ln>
+          </p:spPr>
+          <p:style>
+            <a:lnRef idx="2">
+              <a:schemeClr val="accent1">
+                <a:shade val="15000"/>
+              </a:schemeClr>
+            </a:lnRef>
+            <a:fillRef idx="1">
+              <a:schemeClr val="accent1"/>
+            </a:fillRef>
+            <a:effectRef idx="0">
+              <a:schemeClr val="accent1"/>
+            </a:effectRef>
+            <a:fontRef idx="minor">
+              <a:schemeClr val="lt1"/>
+            </a:fontRef>
+          </p:style>
+          <p:txBody>
+            <a:bodyPr rtlCol="0" anchor="ctr"/>
+            <a:lstStyle/>
+            <a:p>
+              <a:pPr algn="ctr"/>
+              <a:endParaRPr lang="en-US"/>
+            </a:p>
+          </p:txBody>
+        </p:sp>
+        <p:sp>
+          <p:nvSpPr>
+            <p:cNvPr id="9" name="TextBox 8">
+              <a:extLst>
+                <a:ext uri="{FF2B5EF4-FFF2-40B4-BE49-F238E27FC236}">
+                  <a16:creationId xmlns:a16="http://schemas.microsoft.com/office/drawing/2014/main" id="{56E924F2-5575-4CD2-1483-483EDEBE54CE}"/>
+                </a:ext>
+              </a:extLst>
+            </p:cNvPr>
+            <p:cNvSpPr txBox="1"/>
+            <p:nvPr/>
+          </p:nvSpPr>
+          <p:spPr>
+            <a:xfrm>
+              <a:off x="1008994" y="3272345"/>
+              <a:ext cx="620110" cy="646331"/>
+            </a:xfrm>
+            <a:prstGeom prst="rect">
+              <a:avLst/>
+            </a:prstGeom>
+            <a:noFill/>
+          </p:spPr>
+          <p:txBody>
+            <a:bodyPr wrap="square" rtlCol="0">
+              <a:spAutoFit/>
+            </a:bodyPr>
+            <a:lstStyle/>
+            <a:p>
+              <a:r>
+                <a:rPr lang="en-US" sz="3600" dirty="0"/>
+                <a:t>L2</a:t>
+              </a:r>
+            </a:p>
+          </p:txBody>
+        </p:sp>
+      </p:grpSp>
+      <p:grpSp>
+        <p:nvGrpSpPr>
+          <p:cNvPr id="10" name="Group 9">
+            <a:extLst>
+              <a:ext uri="{FF2B5EF4-FFF2-40B4-BE49-F238E27FC236}">
+                <a16:creationId xmlns:a16="http://schemas.microsoft.com/office/drawing/2014/main" id="{ADA7439B-C1B4-720D-830E-E87905FFF528}"/>
+              </a:ext>
+            </a:extLst>
+          </p:cNvPr>
+          <p:cNvGrpSpPr/>
+          <p:nvPr/>
+        </p:nvGrpSpPr>
+        <p:grpSpPr>
+          <a:xfrm>
+            <a:off x="5077644" y="4712262"/>
+            <a:ext cx="642280" cy="646331"/>
+            <a:chOff x="1008994" y="3272345"/>
+            <a:chExt cx="642280" cy="646331"/>
+          </a:xfrm>
+        </p:grpSpPr>
+        <p:sp>
+          <p:nvSpPr>
+            <p:cNvPr id="11" name="Rectangle 10">
+              <a:extLst>
+                <a:ext uri="{FF2B5EF4-FFF2-40B4-BE49-F238E27FC236}">
+                  <a16:creationId xmlns:a16="http://schemas.microsoft.com/office/drawing/2014/main" id="{55A12ADC-B461-0299-0394-395F7FA3BBB6}"/>
+                </a:ext>
+              </a:extLst>
+            </p:cNvPr>
+            <p:cNvSpPr/>
+            <p:nvPr/>
+          </p:nvSpPr>
+          <p:spPr>
+            <a:xfrm>
+              <a:off x="1031164" y="3385303"/>
+              <a:ext cx="620110" cy="420413"/>
+            </a:xfrm>
+            <a:prstGeom prst="rect">
+              <a:avLst/>
+            </a:prstGeom>
+            <a:solidFill>
+              <a:schemeClr val="bg1"/>
+            </a:solidFill>
+            <a:ln>
+              <a:solidFill>
+                <a:schemeClr val="bg1"/>
+              </a:solidFill>
+            </a:ln>
+          </p:spPr>
+          <p:style>
+            <a:lnRef idx="2">
+              <a:schemeClr val="accent1">
+                <a:shade val="15000"/>
+              </a:schemeClr>
+            </a:lnRef>
+            <a:fillRef idx="1">
+              <a:schemeClr val="accent1"/>
+            </a:fillRef>
+            <a:effectRef idx="0">
+              <a:schemeClr val="accent1"/>
+            </a:effectRef>
+            <a:fontRef idx="minor">
+              <a:schemeClr val="lt1"/>
+            </a:fontRef>
+          </p:style>
+          <p:txBody>
+            <a:bodyPr rtlCol="0" anchor="ctr"/>
+            <a:lstStyle/>
+            <a:p>
+              <a:pPr algn="ctr"/>
+              <a:endParaRPr lang="en-US"/>
+            </a:p>
+          </p:txBody>
+        </p:sp>
+        <p:sp>
+          <p:nvSpPr>
+            <p:cNvPr id="12" name="TextBox 11">
+              <a:extLst>
+                <a:ext uri="{FF2B5EF4-FFF2-40B4-BE49-F238E27FC236}">
+                  <a16:creationId xmlns:a16="http://schemas.microsoft.com/office/drawing/2014/main" id="{7D97E77A-F219-6A23-F492-4C198DF9556D}"/>
+                </a:ext>
+              </a:extLst>
+            </p:cNvPr>
+            <p:cNvSpPr txBox="1"/>
+            <p:nvPr/>
+          </p:nvSpPr>
+          <p:spPr>
+            <a:xfrm>
+              <a:off x="1008994" y="3272345"/>
+              <a:ext cx="620110" cy="646331"/>
+            </a:xfrm>
+            <a:prstGeom prst="rect">
+              <a:avLst/>
+            </a:prstGeom>
+            <a:noFill/>
+          </p:spPr>
+          <p:txBody>
+            <a:bodyPr wrap="square" rtlCol="0">
+              <a:spAutoFit/>
+            </a:bodyPr>
+            <a:lstStyle/>
+            <a:p>
+              <a:r>
+                <a:rPr lang="en-US" sz="3600" dirty="0"/>
+                <a:t>L3</a:t>
+              </a:r>
+            </a:p>
+          </p:txBody>
+        </p:sp>
+      </p:grpSp>
+      <p:grpSp>
+        <p:nvGrpSpPr>
+          <p:cNvPr id="13" name="Group 12">
+            <a:extLst>
+              <a:ext uri="{FF2B5EF4-FFF2-40B4-BE49-F238E27FC236}">
+                <a16:creationId xmlns:a16="http://schemas.microsoft.com/office/drawing/2014/main" id="{687E46BF-00CA-8C0E-1228-DD96149FFB42}"/>
+              </a:ext>
+            </a:extLst>
+          </p:cNvPr>
+          <p:cNvGrpSpPr/>
+          <p:nvPr/>
+        </p:nvGrpSpPr>
+        <p:grpSpPr>
+          <a:xfrm>
+            <a:off x="6421821" y="3613931"/>
+            <a:ext cx="642280" cy="646331"/>
+            <a:chOff x="1008994" y="3272345"/>
+            <a:chExt cx="642280" cy="646331"/>
+          </a:xfrm>
+        </p:grpSpPr>
+        <p:sp>
+          <p:nvSpPr>
+            <p:cNvPr id="14" name="Rectangle 13">
+              <a:extLst>
+                <a:ext uri="{FF2B5EF4-FFF2-40B4-BE49-F238E27FC236}">
+                  <a16:creationId xmlns:a16="http://schemas.microsoft.com/office/drawing/2014/main" id="{DD125A86-BCEF-CDA5-B235-C45CEADE0F57}"/>
+                </a:ext>
+              </a:extLst>
+            </p:cNvPr>
+            <p:cNvSpPr/>
+            <p:nvPr/>
+          </p:nvSpPr>
+          <p:spPr>
+            <a:xfrm>
+              <a:off x="1031164" y="3385303"/>
+              <a:ext cx="620110" cy="420413"/>
+            </a:xfrm>
+            <a:prstGeom prst="rect">
+              <a:avLst/>
+            </a:prstGeom>
+            <a:solidFill>
+              <a:schemeClr val="bg1"/>
+            </a:solidFill>
+            <a:ln>
+              <a:solidFill>
+                <a:schemeClr val="bg1"/>
+              </a:solidFill>
+            </a:ln>
+          </p:spPr>
+          <p:style>
+            <a:lnRef idx="2">
+              <a:schemeClr val="accent1">
+                <a:shade val="15000"/>
+              </a:schemeClr>
+            </a:lnRef>
+            <a:fillRef idx="1">
+              <a:schemeClr val="accent1"/>
+            </a:fillRef>
+            <a:effectRef idx="0">
+              <a:schemeClr val="accent1"/>
+            </a:effectRef>
+            <a:fontRef idx="minor">
+              <a:schemeClr val="lt1"/>
+            </a:fontRef>
+          </p:style>
+          <p:txBody>
+            <a:bodyPr rtlCol="0" anchor="ctr"/>
+            <a:lstStyle/>
+            <a:p>
+              <a:pPr algn="ctr"/>
+              <a:endParaRPr lang="en-US"/>
+            </a:p>
+          </p:txBody>
+        </p:sp>
+        <p:sp>
+          <p:nvSpPr>
+            <p:cNvPr id="15" name="TextBox 14">
+              <a:extLst>
+                <a:ext uri="{FF2B5EF4-FFF2-40B4-BE49-F238E27FC236}">
+                  <a16:creationId xmlns:a16="http://schemas.microsoft.com/office/drawing/2014/main" id="{D325A83D-2882-F948-9B94-7BA03C0CDFC3}"/>
+                </a:ext>
+              </a:extLst>
+            </p:cNvPr>
+            <p:cNvSpPr txBox="1"/>
+            <p:nvPr/>
+          </p:nvSpPr>
+          <p:spPr>
+            <a:xfrm>
+              <a:off x="1008994" y="3272345"/>
+              <a:ext cx="620110" cy="646331"/>
+            </a:xfrm>
+            <a:prstGeom prst="rect">
+              <a:avLst/>
+            </a:prstGeom>
+            <a:noFill/>
+          </p:spPr>
+          <p:txBody>
+            <a:bodyPr wrap="square" rtlCol="0">
+              <a:spAutoFit/>
+            </a:bodyPr>
+            <a:lstStyle/>
+            <a:p>
+              <a:r>
+                <a:rPr lang="en-US" sz="3600" dirty="0"/>
+                <a:t>L4</a:t>
+              </a:r>
+            </a:p>
+          </p:txBody>
+        </p:sp>
+      </p:grpSp>
+      <p:grpSp>
+        <p:nvGrpSpPr>
+          <p:cNvPr id="16" name="Group 15">
+            <a:extLst>
+              <a:ext uri="{FF2B5EF4-FFF2-40B4-BE49-F238E27FC236}">
+                <a16:creationId xmlns:a16="http://schemas.microsoft.com/office/drawing/2014/main" id="{1414DB02-D2DE-E88A-3A68-18EB13033C07}"/>
+              </a:ext>
+            </a:extLst>
+          </p:cNvPr>
+          <p:cNvGrpSpPr/>
+          <p:nvPr/>
+        </p:nvGrpSpPr>
+        <p:grpSpPr>
+          <a:xfrm>
+            <a:off x="7698828" y="3613931"/>
+            <a:ext cx="642280" cy="646331"/>
+            <a:chOff x="1008994" y="3272345"/>
+            <a:chExt cx="642280" cy="646331"/>
+          </a:xfrm>
+        </p:grpSpPr>
+        <p:sp>
+          <p:nvSpPr>
+            <p:cNvPr id="17" name="Rectangle 16">
+              <a:extLst>
+                <a:ext uri="{FF2B5EF4-FFF2-40B4-BE49-F238E27FC236}">
+                  <a16:creationId xmlns:a16="http://schemas.microsoft.com/office/drawing/2014/main" id="{D587C92B-D94C-3765-7190-2386D481A2FE}"/>
+                </a:ext>
+              </a:extLst>
+            </p:cNvPr>
+            <p:cNvSpPr/>
+            <p:nvPr/>
+          </p:nvSpPr>
+          <p:spPr>
+            <a:xfrm>
+              <a:off x="1031164" y="3385303"/>
+              <a:ext cx="620110" cy="420413"/>
+            </a:xfrm>
+            <a:prstGeom prst="rect">
+              <a:avLst/>
+            </a:prstGeom>
+            <a:solidFill>
+              <a:schemeClr val="bg1"/>
+            </a:solidFill>
+            <a:ln>
+              <a:solidFill>
+                <a:schemeClr val="bg1"/>
+              </a:solidFill>
+            </a:ln>
+          </p:spPr>
+          <p:style>
+            <a:lnRef idx="2">
+              <a:schemeClr val="accent1">
+                <a:shade val="15000"/>
+              </a:schemeClr>
+            </a:lnRef>
+            <a:fillRef idx="1">
+              <a:schemeClr val="accent1"/>
+            </a:fillRef>
+            <a:effectRef idx="0">
+              <a:schemeClr val="accent1"/>
+            </a:effectRef>
+            <a:fontRef idx="minor">
+              <a:schemeClr val="lt1"/>
+            </a:fontRef>
+          </p:style>
+          <p:txBody>
+            <a:bodyPr rtlCol="0" anchor="ctr"/>
+            <a:lstStyle/>
+            <a:p>
+              <a:pPr algn="ctr"/>
+              <a:endParaRPr lang="en-US"/>
+            </a:p>
+          </p:txBody>
+        </p:sp>
+        <p:sp>
+          <p:nvSpPr>
+            <p:cNvPr id="18" name="TextBox 17">
+              <a:extLst>
+                <a:ext uri="{FF2B5EF4-FFF2-40B4-BE49-F238E27FC236}">
+                  <a16:creationId xmlns:a16="http://schemas.microsoft.com/office/drawing/2014/main" id="{D79F3A89-A8F9-57A3-6375-31B6AA7D586B}"/>
+                </a:ext>
+              </a:extLst>
+            </p:cNvPr>
+            <p:cNvSpPr txBox="1"/>
+            <p:nvPr/>
+          </p:nvSpPr>
+          <p:spPr>
+            <a:xfrm>
+              <a:off x="1008994" y="3272345"/>
+              <a:ext cx="620110" cy="646331"/>
+            </a:xfrm>
+            <a:prstGeom prst="rect">
+              <a:avLst/>
+            </a:prstGeom>
+            <a:noFill/>
+          </p:spPr>
+          <p:txBody>
+            <a:bodyPr wrap="square" rtlCol="0">
+              <a:spAutoFit/>
+            </a:bodyPr>
+            <a:lstStyle/>
+            <a:p>
+              <a:r>
+                <a:rPr lang="en-US" sz="3600" dirty="0"/>
+                <a:t>L5</a:t>
+              </a:r>
+            </a:p>
+          </p:txBody>
+        </p:sp>
+      </p:grpSp>
+      <p:grpSp>
+        <p:nvGrpSpPr>
+          <p:cNvPr id="19" name="Group 18">
+            <a:extLst>
+              <a:ext uri="{FF2B5EF4-FFF2-40B4-BE49-F238E27FC236}">
+                <a16:creationId xmlns:a16="http://schemas.microsoft.com/office/drawing/2014/main" id="{21815318-BB84-279C-F114-38D781AE3AE3}"/>
+              </a:ext>
+            </a:extLst>
+          </p:cNvPr>
+          <p:cNvGrpSpPr/>
+          <p:nvPr/>
+        </p:nvGrpSpPr>
+        <p:grpSpPr>
+          <a:xfrm>
+            <a:off x="9032984" y="3613929"/>
+            <a:ext cx="642280" cy="646331"/>
+            <a:chOff x="1008994" y="3272345"/>
+            <a:chExt cx="642280" cy="646331"/>
+          </a:xfrm>
+        </p:grpSpPr>
+        <p:sp>
+          <p:nvSpPr>
+            <p:cNvPr id="20" name="Rectangle 19">
+              <a:extLst>
+                <a:ext uri="{FF2B5EF4-FFF2-40B4-BE49-F238E27FC236}">
+                  <a16:creationId xmlns:a16="http://schemas.microsoft.com/office/drawing/2014/main" id="{DE15BC18-C70B-A3C7-7081-550430CAED5A}"/>
+                </a:ext>
+              </a:extLst>
+            </p:cNvPr>
+            <p:cNvSpPr/>
+            <p:nvPr/>
+          </p:nvSpPr>
+          <p:spPr>
+            <a:xfrm>
+              <a:off x="1031164" y="3385303"/>
+              <a:ext cx="620110" cy="420413"/>
+            </a:xfrm>
+            <a:prstGeom prst="rect">
+              <a:avLst/>
+            </a:prstGeom>
+            <a:solidFill>
+              <a:schemeClr val="bg1"/>
+            </a:solidFill>
+            <a:ln>
+              <a:solidFill>
+                <a:schemeClr val="bg1"/>
+              </a:solidFill>
+            </a:ln>
+          </p:spPr>
+          <p:style>
+            <a:lnRef idx="2">
+              <a:schemeClr val="accent1">
+                <a:shade val="15000"/>
+              </a:schemeClr>
+            </a:lnRef>
+            <a:fillRef idx="1">
+              <a:schemeClr val="accent1"/>
+            </a:fillRef>
+            <a:effectRef idx="0">
+              <a:schemeClr val="accent1"/>
+            </a:effectRef>
+            <a:fontRef idx="minor">
+              <a:schemeClr val="lt1"/>
+            </a:fontRef>
+          </p:style>
+          <p:txBody>
+            <a:bodyPr rtlCol="0" anchor="ctr"/>
+            <a:lstStyle/>
+            <a:p>
+              <a:pPr algn="ctr"/>
+              <a:endParaRPr lang="en-US"/>
+            </a:p>
+          </p:txBody>
+        </p:sp>
+        <p:sp>
+          <p:nvSpPr>
+            <p:cNvPr id="21" name="TextBox 20">
+              <a:extLst>
+                <a:ext uri="{FF2B5EF4-FFF2-40B4-BE49-F238E27FC236}">
+                  <a16:creationId xmlns:a16="http://schemas.microsoft.com/office/drawing/2014/main" id="{2EE8A625-36A7-CED2-53D3-80F55267AB28}"/>
+                </a:ext>
+              </a:extLst>
+            </p:cNvPr>
+            <p:cNvSpPr txBox="1"/>
+            <p:nvPr/>
+          </p:nvSpPr>
+          <p:spPr>
+            <a:xfrm>
+              <a:off x="1008994" y="3272345"/>
+              <a:ext cx="620110" cy="646331"/>
+            </a:xfrm>
+            <a:prstGeom prst="rect">
+              <a:avLst/>
+            </a:prstGeom>
+            <a:noFill/>
+          </p:spPr>
+          <p:txBody>
+            <a:bodyPr wrap="square" rtlCol="0">
+              <a:spAutoFit/>
+            </a:bodyPr>
+            <a:lstStyle/>
+            <a:p>
+              <a:r>
+                <a:rPr lang="en-US" sz="3600" dirty="0"/>
+                <a:t>L6</a:t>
+              </a:r>
+            </a:p>
+          </p:txBody>
+        </p:sp>
+      </p:grpSp>
+      <p:grpSp>
+        <p:nvGrpSpPr>
+          <p:cNvPr id="22" name="Group 21">
+            <a:extLst>
+              <a:ext uri="{FF2B5EF4-FFF2-40B4-BE49-F238E27FC236}">
+                <a16:creationId xmlns:a16="http://schemas.microsoft.com/office/drawing/2014/main" id="{3A99E59B-E336-5B73-D4EE-9262C382EA60}"/>
+              </a:ext>
+            </a:extLst>
+          </p:cNvPr>
+          <p:cNvGrpSpPr/>
+          <p:nvPr/>
+        </p:nvGrpSpPr>
+        <p:grpSpPr>
+          <a:xfrm>
+            <a:off x="3778467" y="3639448"/>
+            <a:ext cx="735725" cy="646331"/>
+            <a:chOff x="951186" y="3272343"/>
+            <a:chExt cx="735725" cy="646331"/>
+          </a:xfrm>
+        </p:grpSpPr>
+        <p:sp>
+          <p:nvSpPr>
+            <p:cNvPr id="23" name="Rectangle 22">
+              <a:extLst>
+                <a:ext uri="{FF2B5EF4-FFF2-40B4-BE49-F238E27FC236}">
+                  <a16:creationId xmlns:a16="http://schemas.microsoft.com/office/drawing/2014/main" id="{1B303567-9582-ACCA-170C-437DA21C3BF5}"/>
+                </a:ext>
+              </a:extLst>
+            </p:cNvPr>
+            <p:cNvSpPr/>
+            <p:nvPr/>
+          </p:nvSpPr>
+          <p:spPr>
+            <a:xfrm>
+              <a:off x="1031164" y="3385303"/>
+              <a:ext cx="620110" cy="420413"/>
+            </a:xfrm>
+            <a:prstGeom prst="rect">
+              <a:avLst/>
+            </a:prstGeom>
+            <a:solidFill>
+              <a:schemeClr val="bg1"/>
+            </a:solidFill>
+            <a:ln>
+              <a:solidFill>
+                <a:schemeClr val="bg1"/>
+              </a:solidFill>
+            </a:ln>
+          </p:spPr>
+          <p:style>
+            <a:lnRef idx="2">
+              <a:schemeClr val="accent1">
+                <a:shade val="15000"/>
+              </a:schemeClr>
+            </a:lnRef>
+            <a:fillRef idx="1">
+              <a:schemeClr val="accent1"/>
+            </a:fillRef>
+            <a:effectRef idx="0">
+              <a:schemeClr val="accent1"/>
+            </a:effectRef>
+            <a:fontRef idx="minor">
+              <a:schemeClr val="lt1"/>
+            </a:fontRef>
+          </p:style>
+          <p:txBody>
+            <a:bodyPr rtlCol="0" anchor="ctr"/>
+            <a:lstStyle/>
+            <a:p>
+              <a:pPr algn="ctr"/>
+              <a:endParaRPr lang="en-US"/>
+            </a:p>
+          </p:txBody>
+        </p:sp>
+        <p:sp>
+          <p:nvSpPr>
+            <p:cNvPr id="24" name="TextBox 23">
+              <a:extLst>
+                <a:ext uri="{FF2B5EF4-FFF2-40B4-BE49-F238E27FC236}">
+                  <a16:creationId xmlns:a16="http://schemas.microsoft.com/office/drawing/2014/main" id="{598DBDAC-3892-D44C-F661-23EF3EA17B32}"/>
+                </a:ext>
+              </a:extLst>
+            </p:cNvPr>
+            <p:cNvSpPr txBox="1"/>
+            <p:nvPr/>
+          </p:nvSpPr>
+          <p:spPr>
+            <a:xfrm>
+              <a:off x="951186" y="3272343"/>
+              <a:ext cx="735725" cy="646331"/>
+            </a:xfrm>
+            <a:prstGeom prst="rect">
+              <a:avLst/>
+            </a:prstGeom>
+            <a:noFill/>
+          </p:spPr>
+          <p:txBody>
+            <a:bodyPr wrap="square" rtlCol="0">
+              <a:spAutoFit/>
+            </a:bodyPr>
+            <a:lstStyle/>
+            <a:p>
+              <a:pPr algn="ctr"/>
+              <a:r>
+                <a:rPr lang="en-US" sz="3600" dirty="0"/>
+                <a:t>I1</a:t>
+              </a:r>
+            </a:p>
+          </p:txBody>
+        </p:sp>
+      </p:grpSp>
+      <p:grpSp>
+        <p:nvGrpSpPr>
+          <p:cNvPr id="26" name="Group 25">
+            <a:extLst>
+              <a:ext uri="{FF2B5EF4-FFF2-40B4-BE49-F238E27FC236}">
+                <a16:creationId xmlns:a16="http://schemas.microsoft.com/office/drawing/2014/main" id="{086AD5A1-FC94-21D2-9C0B-5D6641C3116C}"/>
+              </a:ext>
+            </a:extLst>
+          </p:cNvPr>
+          <p:cNvGrpSpPr/>
+          <p:nvPr/>
+        </p:nvGrpSpPr>
+        <p:grpSpPr>
+          <a:xfrm>
+            <a:off x="4442918" y="2595236"/>
+            <a:ext cx="735725" cy="646331"/>
+            <a:chOff x="951186" y="3272343"/>
+            <a:chExt cx="735725" cy="646331"/>
+          </a:xfrm>
+        </p:grpSpPr>
+        <p:sp>
+          <p:nvSpPr>
+            <p:cNvPr id="27" name="Rectangle 26">
+              <a:extLst>
+                <a:ext uri="{FF2B5EF4-FFF2-40B4-BE49-F238E27FC236}">
+                  <a16:creationId xmlns:a16="http://schemas.microsoft.com/office/drawing/2014/main" id="{E4DE7AE2-836F-4382-D290-FEBC9BCB8903}"/>
+                </a:ext>
+              </a:extLst>
+            </p:cNvPr>
+            <p:cNvSpPr/>
+            <p:nvPr/>
+          </p:nvSpPr>
+          <p:spPr>
+            <a:xfrm>
+              <a:off x="1031164" y="3385303"/>
+              <a:ext cx="620110" cy="420413"/>
+            </a:xfrm>
+            <a:prstGeom prst="rect">
+              <a:avLst/>
+            </a:prstGeom>
+            <a:solidFill>
+              <a:schemeClr val="bg1"/>
+            </a:solidFill>
+            <a:ln>
+              <a:solidFill>
+                <a:schemeClr val="bg1"/>
+              </a:solidFill>
+            </a:ln>
+          </p:spPr>
+          <p:style>
+            <a:lnRef idx="2">
+              <a:schemeClr val="accent1">
+                <a:shade val="15000"/>
+              </a:schemeClr>
+            </a:lnRef>
+            <a:fillRef idx="1">
+              <a:schemeClr val="accent1"/>
+            </a:fillRef>
+            <a:effectRef idx="0">
+              <a:schemeClr val="accent1"/>
+            </a:effectRef>
+            <a:fontRef idx="minor">
+              <a:schemeClr val="lt1"/>
+            </a:fontRef>
+          </p:style>
+          <p:txBody>
+            <a:bodyPr rtlCol="0" anchor="ctr"/>
+            <a:lstStyle/>
+            <a:p>
+              <a:pPr algn="ctr"/>
+              <a:endParaRPr lang="en-US"/>
+            </a:p>
+          </p:txBody>
+        </p:sp>
+        <p:sp>
+          <p:nvSpPr>
+            <p:cNvPr id="28" name="TextBox 27">
+              <a:extLst>
+                <a:ext uri="{FF2B5EF4-FFF2-40B4-BE49-F238E27FC236}">
+                  <a16:creationId xmlns:a16="http://schemas.microsoft.com/office/drawing/2014/main" id="{889FCC34-61AB-3C2B-E596-9DD3A837DE5A}"/>
+                </a:ext>
+              </a:extLst>
+            </p:cNvPr>
+            <p:cNvSpPr txBox="1"/>
+            <p:nvPr/>
+          </p:nvSpPr>
+          <p:spPr>
+            <a:xfrm>
+              <a:off x="951186" y="3272343"/>
+              <a:ext cx="735725" cy="646331"/>
+            </a:xfrm>
+            <a:prstGeom prst="rect">
+              <a:avLst/>
+            </a:prstGeom>
+            <a:noFill/>
+          </p:spPr>
+          <p:txBody>
+            <a:bodyPr wrap="square" rtlCol="0">
+              <a:spAutoFit/>
+            </a:bodyPr>
+            <a:lstStyle/>
+            <a:p>
+              <a:pPr algn="ctr"/>
+              <a:r>
+                <a:rPr lang="en-US" sz="3600" dirty="0"/>
+                <a:t>I2</a:t>
+              </a:r>
+            </a:p>
+          </p:txBody>
+        </p:sp>
+      </p:grpSp>
+      <p:grpSp>
+        <p:nvGrpSpPr>
+          <p:cNvPr id="29" name="Group 28">
+            <a:extLst>
+              <a:ext uri="{FF2B5EF4-FFF2-40B4-BE49-F238E27FC236}">
+                <a16:creationId xmlns:a16="http://schemas.microsoft.com/office/drawing/2014/main" id="{A3A1722D-0811-209D-9EC2-7CAA099F1818}"/>
+              </a:ext>
+            </a:extLst>
+          </p:cNvPr>
+          <p:cNvGrpSpPr/>
+          <p:nvPr/>
+        </p:nvGrpSpPr>
+        <p:grpSpPr>
+          <a:xfrm>
+            <a:off x="8311875" y="2587954"/>
+            <a:ext cx="735725" cy="646331"/>
+            <a:chOff x="951186" y="3272343"/>
+            <a:chExt cx="735725" cy="646331"/>
+          </a:xfrm>
+        </p:grpSpPr>
+        <p:sp>
+          <p:nvSpPr>
+            <p:cNvPr id="30" name="Rectangle 29">
+              <a:extLst>
+                <a:ext uri="{FF2B5EF4-FFF2-40B4-BE49-F238E27FC236}">
+                  <a16:creationId xmlns:a16="http://schemas.microsoft.com/office/drawing/2014/main" id="{459472F7-B70F-7DDD-17D7-D1070AB535C7}"/>
+                </a:ext>
+              </a:extLst>
+            </p:cNvPr>
+            <p:cNvSpPr/>
+            <p:nvPr/>
+          </p:nvSpPr>
+          <p:spPr>
+            <a:xfrm>
+              <a:off x="1031164" y="3385303"/>
+              <a:ext cx="620110" cy="420413"/>
+            </a:xfrm>
+            <a:prstGeom prst="rect">
+              <a:avLst/>
+            </a:prstGeom>
+            <a:solidFill>
+              <a:schemeClr val="bg1"/>
+            </a:solidFill>
+            <a:ln>
+              <a:solidFill>
+                <a:schemeClr val="bg1"/>
+              </a:solidFill>
+            </a:ln>
+          </p:spPr>
+          <p:style>
+            <a:lnRef idx="2">
+              <a:schemeClr val="accent1">
+                <a:shade val="15000"/>
+              </a:schemeClr>
+            </a:lnRef>
+            <a:fillRef idx="1">
+              <a:schemeClr val="accent1"/>
+            </a:fillRef>
+            <a:effectRef idx="0">
+              <a:schemeClr val="accent1"/>
+            </a:effectRef>
+            <a:fontRef idx="minor">
+              <a:schemeClr val="lt1"/>
+            </a:fontRef>
+          </p:style>
+          <p:txBody>
+            <a:bodyPr rtlCol="0" anchor="ctr"/>
+            <a:lstStyle/>
+            <a:p>
+              <a:pPr algn="ctr"/>
+              <a:endParaRPr lang="en-US"/>
+            </a:p>
+          </p:txBody>
+        </p:sp>
+        <p:sp>
+          <p:nvSpPr>
+            <p:cNvPr id="31" name="TextBox 30">
+              <a:extLst>
+                <a:ext uri="{FF2B5EF4-FFF2-40B4-BE49-F238E27FC236}">
+                  <a16:creationId xmlns:a16="http://schemas.microsoft.com/office/drawing/2014/main" id="{5BE39557-69EF-83F5-9728-3B1A8AFC74AE}"/>
+                </a:ext>
+              </a:extLst>
+            </p:cNvPr>
+            <p:cNvSpPr txBox="1"/>
+            <p:nvPr/>
+          </p:nvSpPr>
+          <p:spPr>
+            <a:xfrm>
+              <a:off x="951186" y="3272343"/>
+              <a:ext cx="735725" cy="646331"/>
+            </a:xfrm>
+            <a:prstGeom prst="rect">
+              <a:avLst/>
+            </a:prstGeom>
+            <a:noFill/>
+          </p:spPr>
+          <p:txBody>
+            <a:bodyPr wrap="square" rtlCol="0">
+              <a:spAutoFit/>
+            </a:bodyPr>
+            <a:lstStyle/>
+            <a:p>
+              <a:pPr algn="ctr"/>
+              <a:r>
+                <a:rPr lang="en-US" sz="3600" dirty="0"/>
+                <a:t>I3</a:t>
+              </a:r>
+            </a:p>
+          </p:txBody>
+        </p:sp>
+      </p:grpSp>
+      <p:grpSp>
+        <p:nvGrpSpPr>
+          <p:cNvPr id="32" name="Group 31">
+            <a:extLst>
+              <a:ext uri="{FF2B5EF4-FFF2-40B4-BE49-F238E27FC236}">
+                <a16:creationId xmlns:a16="http://schemas.microsoft.com/office/drawing/2014/main" id="{31537E42-6D50-F72F-2022-C5A63A76EE73}"/>
+              </a:ext>
+            </a:extLst>
+          </p:cNvPr>
+          <p:cNvGrpSpPr/>
+          <p:nvPr/>
+        </p:nvGrpSpPr>
+        <p:grpSpPr>
+          <a:xfrm>
+            <a:off x="5728136" y="1490352"/>
+            <a:ext cx="735725" cy="646331"/>
+            <a:chOff x="951186" y="3272343"/>
+            <a:chExt cx="735725" cy="646331"/>
+          </a:xfrm>
+        </p:grpSpPr>
+        <p:sp>
+          <p:nvSpPr>
+            <p:cNvPr id="33" name="Rectangle 32">
+              <a:extLst>
+                <a:ext uri="{FF2B5EF4-FFF2-40B4-BE49-F238E27FC236}">
+                  <a16:creationId xmlns:a16="http://schemas.microsoft.com/office/drawing/2014/main" id="{9796581F-949D-F8B1-3A9A-79D76655244D}"/>
+                </a:ext>
+              </a:extLst>
+            </p:cNvPr>
+            <p:cNvSpPr/>
+            <p:nvPr/>
+          </p:nvSpPr>
+          <p:spPr>
+            <a:xfrm>
+              <a:off x="1031164" y="3385303"/>
+              <a:ext cx="620110" cy="420413"/>
+            </a:xfrm>
+            <a:prstGeom prst="rect">
+              <a:avLst/>
+            </a:prstGeom>
+            <a:solidFill>
+              <a:schemeClr val="bg1"/>
+            </a:solidFill>
+            <a:ln>
+              <a:solidFill>
+                <a:schemeClr val="bg1"/>
+              </a:solidFill>
+            </a:ln>
+          </p:spPr>
+          <p:style>
+            <a:lnRef idx="2">
+              <a:schemeClr val="accent1">
+                <a:shade val="15000"/>
+              </a:schemeClr>
+            </a:lnRef>
+            <a:fillRef idx="1">
+              <a:schemeClr val="accent1"/>
+            </a:fillRef>
+            <a:effectRef idx="0">
+              <a:schemeClr val="accent1"/>
+            </a:effectRef>
+            <a:fontRef idx="minor">
+              <a:schemeClr val="lt1"/>
+            </a:fontRef>
+          </p:style>
+          <p:txBody>
+            <a:bodyPr rtlCol="0" anchor="ctr"/>
+            <a:lstStyle/>
+            <a:p>
+              <a:pPr algn="ctr"/>
+              <a:endParaRPr lang="en-US"/>
+            </a:p>
+          </p:txBody>
+        </p:sp>
+        <p:sp>
+          <p:nvSpPr>
+            <p:cNvPr id="34" name="TextBox 33">
+              <a:extLst>
+                <a:ext uri="{FF2B5EF4-FFF2-40B4-BE49-F238E27FC236}">
+                  <a16:creationId xmlns:a16="http://schemas.microsoft.com/office/drawing/2014/main" id="{17FDEDEA-BD52-E933-78BE-D8878C2D146C}"/>
+                </a:ext>
+              </a:extLst>
+            </p:cNvPr>
+            <p:cNvSpPr txBox="1"/>
+            <p:nvPr/>
+          </p:nvSpPr>
+          <p:spPr>
+            <a:xfrm>
+              <a:off x="951186" y="3272343"/>
+              <a:ext cx="735725" cy="646331"/>
+            </a:xfrm>
+            <a:prstGeom prst="rect">
+              <a:avLst/>
+            </a:prstGeom>
+            <a:noFill/>
+          </p:spPr>
+          <p:txBody>
+            <a:bodyPr wrap="square" rtlCol="0">
+              <a:spAutoFit/>
+            </a:bodyPr>
+            <a:lstStyle/>
+            <a:p>
+              <a:pPr algn="ctr"/>
+              <a:r>
+                <a:rPr lang="en-US" sz="3600" dirty="0"/>
+                <a:t>I4</a:t>
+              </a:r>
+            </a:p>
+          </p:txBody>
+        </p:sp>
+      </p:grpSp>
     </p:spTree>
     <p:extLst>
       <p:ext uri="{BB962C8B-B14F-4D97-AF65-F5344CB8AC3E}">
@@ -4681,6 +5833,36 @@
           </a:fontRef>
         </p:style>
       </p:cxnSp>
+      <p:pic>
+        <p:nvPicPr>
+          <p:cNvPr id="8" name="Picture 7">
+            <a:extLst>
+              <a:ext uri="{FF2B5EF4-FFF2-40B4-BE49-F238E27FC236}">
+                <a16:creationId xmlns:a16="http://schemas.microsoft.com/office/drawing/2014/main" id="{CC8E239E-82A3-9F15-0BD1-4368472BA597}"/>
+              </a:ext>
+            </a:extLst>
+          </p:cNvPr>
+          <p:cNvPicPr>
+            <a:picLocks noChangeAspect="1"/>
+          </p:cNvPicPr>
+          <p:nvPr/>
+        </p:nvPicPr>
+        <p:blipFill>
+          <a:blip r:embed="rId3"/>
+          <a:stretch>
+            <a:fillRect/>
+          </a:stretch>
+        </p:blipFill>
+        <p:spPr>
+          <a:xfrm>
+            <a:off x="2875673" y="2243504"/>
+            <a:ext cx="2095500" cy="355600"/>
+          </a:xfrm>
+          <a:prstGeom prst="rect">
+            <a:avLst/>
+          </a:prstGeom>
+        </p:spPr>
+      </p:pic>
     </p:spTree>
     <p:extLst>
       <p:ext uri="{BB962C8B-B14F-4D97-AF65-F5344CB8AC3E}">
@@ -4978,6 +6160,36 @@
           </a:fontRef>
         </p:style>
       </p:cxnSp>
+      <p:pic>
+        <p:nvPicPr>
+          <p:cNvPr id="12" name="Picture 11">
+            <a:extLst>
+              <a:ext uri="{FF2B5EF4-FFF2-40B4-BE49-F238E27FC236}">
+                <a16:creationId xmlns:a16="http://schemas.microsoft.com/office/drawing/2014/main" id="{3E4117B4-E9E3-87BD-EEB5-6F2C259A784A}"/>
+              </a:ext>
+            </a:extLst>
+          </p:cNvPr>
+          <p:cNvPicPr>
+            <a:picLocks noChangeAspect="1"/>
+          </p:cNvPicPr>
+          <p:nvPr/>
+        </p:nvPicPr>
+        <p:blipFill>
+          <a:blip r:embed="rId3"/>
+          <a:stretch>
+            <a:fillRect/>
+          </a:stretch>
+        </p:blipFill>
+        <p:spPr>
+          <a:xfrm>
+            <a:off x="2779203" y="2315356"/>
+            <a:ext cx="2095500" cy="355600"/>
+          </a:xfrm>
+          <a:prstGeom prst="rect">
+            <a:avLst/>
+          </a:prstGeom>
+        </p:spPr>
+      </p:pic>
     </p:spTree>
     <p:extLst>
       <p:ext uri="{BB962C8B-B14F-4D97-AF65-F5344CB8AC3E}">
@@ -5275,6 +6487,36 @@
           </a:fontRef>
         </p:style>
       </p:cxnSp>
+      <p:pic>
+        <p:nvPicPr>
+          <p:cNvPr id="6" name="Picture 5">
+            <a:extLst>
+              <a:ext uri="{FF2B5EF4-FFF2-40B4-BE49-F238E27FC236}">
+                <a16:creationId xmlns:a16="http://schemas.microsoft.com/office/drawing/2014/main" id="{71F30E0D-70A8-CD17-3613-C0B996EF2838}"/>
+              </a:ext>
+            </a:extLst>
+          </p:cNvPr>
+          <p:cNvPicPr>
+            <a:picLocks noChangeAspect="1"/>
+          </p:cNvPicPr>
+          <p:nvPr/>
+        </p:nvPicPr>
+        <p:blipFill>
+          <a:blip r:embed="rId3"/>
+          <a:stretch>
+            <a:fillRect/>
+          </a:stretch>
+        </p:blipFill>
+        <p:spPr>
+          <a:xfrm>
+            <a:off x="3262535" y="2362196"/>
+            <a:ext cx="2095500" cy="355600"/>
+          </a:xfrm>
+          <a:prstGeom prst="rect">
+            <a:avLst/>
+          </a:prstGeom>
+        </p:spPr>
+      </p:pic>
     </p:spTree>
     <p:extLst>
       <p:ext uri="{BB962C8B-B14F-4D97-AF65-F5344CB8AC3E}">

--- a/instructor/l10/l10-pad.pptx
+++ b/instructor/l10/l10-pad.pptx
@@ -3417,7 +3417,7 @@
             <a:pPr lvl="1"/>
             <a:r>
               <a:rPr lang="en-US" dirty="0"/>
-              <a:t>not blind trust - we have to get base, contribution and contribution right!</a:t>
+              <a:t>not blind trust - we have to get base, contribution and combination right!</a:t>
             </a:r>
           </a:p>
           <a:p>

--- a/instructor/l10/l10-pad.pptx
+++ b/instructor/l10/l10-pad.pptx
@@ -12,11 +12,13 @@
     <p:sldId id="276" r:id="rId6"/>
     <p:sldId id="275" r:id="rId7"/>
     <p:sldId id="277" r:id="rId8"/>
-    <p:sldId id="284" r:id="rId9"/>
-    <p:sldId id="285" r:id="rId10"/>
-    <p:sldId id="280" r:id="rId11"/>
-    <p:sldId id="281" r:id="rId12"/>
-    <p:sldId id="282" r:id="rId13"/>
+    <p:sldId id="286" r:id="rId9"/>
+    <p:sldId id="284" r:id="rId10"/>
+    <p:sldId id="287" r:id="rId11"/>
+    <p:sldId id="285" r:id="rId12"/>
+    <p:sldId id="280" r:id="rId13"/>
+    <p:sldId id="281" r:id="rId14"/>
+    <p:sldId id="282" r:id="rId15"/>
   </p:sldIdLst>
   <p:sldSz cx="12192000" cy="6858000"/>
   <p:notesSz cx="6858000" cy="9144000"/>
@@ -270,7 +272,7 @@
           <a:p>
             <a:fld id="{0A6490CE-BE8E-7E4B-9B67-11CEB3AEEF49}" type="datetimeFigureOut">
               <a:rPr lang="en-US" smtClean="0"/>
-              <a:t>10/17/23</a:t>
+              <a:t>10/9/24</a:t>
             </a:fld>
             <a:endParaRPr lang="en-US"/>
           </a:p>
@@ -468,7 +470,7 @@
           <a:p>
             <a:fld id="{0A6490CE-BE8E-7E4B-9B67-11CEB3AEEF49}" type="datetimeFigureOut">
               <a:rPr lang="en-US" smtClean="0"/>
-              <a:t>10/17/23</a:t>
+              <a:t>10/9/24</a:t>
             </a:fld>
             <a:endParaRPr lang="en-US"/>
           </a:p>
@@ -676,7 +678,7 @@
           <a:p>
             <a:fld id="{0A6490CE-BE8E-7E4B-9B67-11CEB3AEEF49}" type="datetimeFigureOut">
               <a:rPr lang="en-US" smtClean="0"/>
-              <a:t>10/17/23</a:t>
+              <a:t>10/9/24</a:t>
             </a:fld>
             <a:endParaRPr lang="en-US"/>
           </a:p>
@@ -874,7 +876,7 @@
           <a:p>
             <a:fld id="{0A6490CE-BE8E-7E4B-9B67-11CEB3AEEF49}" type="datetimeFigureOut">
               <a:rPr lang="en-US" smtClean="0"/>
-              <a:t>10/17/23</a:t>
+              <a:t>10/9/24</a:t>
             </a:fld>
             <a:endParaRPr lang="en-US"/>
           </a:p>
@@ -1149,7 +1151,7 @@
           <a:p>
             <a:fld id="{0A6490CE-BE8E-7E4B-9B67-11CEB3AEEF49}" type="datetimeFigureOut">
               <a:rPr lang="en-US" smtClean="0"/>
-              <a:t>10/17/23</a:t>
+              <a:t>10/9/24</a:t>
             </a:fld>
             <a:endParaRPr lang="en-US"/>
           </a:p>
@@ -1414,7 +1416,7 @@
           <a:p>
             <a:fld id="{0A6490CE-BE8E-7E4B-9B67-11CEB3AEEF49}" type="datetimeFigureOut">
               <a:rPr lang="en-US" smtClean="0"/>
-              <a:t>10/17/23</a:t>
+              <a:t>10/9/24</a:t>
             </a:fld>
             <a:endParaRPr lang="en-US"/>
           </a:p>
@@ -1826,7 +1828,7 @@
           <a:p>
             <a:fld id="{0A6490CE-BE8E-7E4B-9B67-11CEB3AEEF49}" type="datetimeFigureOut">
               <a:rPr lang="en-US" smtClean="0"/>
-              <a:t>10/17/23</a:t>
+              <a:t>10/9/24</a:t>
             </a:fld>
             <a:endParaRPr lang="en-US"/>
           </a:p>
@@ -1967,7 +1969,7 @@
           <a:p>
             <a:fld id="{0A6490CE-BE8E-7E4B-9B67-11CEB3AEEF49}" type="datetimeFigureOut">
               <a:rPr lang="en-US" smtClean="0"/>
-              <a:t>10/17/23</a:t>
+              <a:t>10/9/24</a:t>
             </a:fld>
             <a:endParaRPr lang="en-US"/>
           </a:p>
@@ -2080,7 +2082,7 @@
           <a:p>
             <a:fld id="{0A6490CE-BE8E-7E4B-9B67-11CEB3AEEF49}" type="datetimeFigureOut">
               <a:rPr lang="en-US" smtClean="0"/>
-              <a:t>10/17/23</a:t>
+              <a:t>10/9/24</a:t>
             </a:fld>
             <a:endParaRPr lang="en-US"/>
           </a:p>
@@ -2391,7 +2393,7 @@
           <a:p>
             <a:fld id="{0A6490CE-BE8E-7E4B-9B67-11CEB3AEEF49}" type="datetimeFigureOut">
               <a:rPr lang="en-US" smtClean="0"/>
-              <a:t>10/17/23</a:t>
+              <a:t>10/9/24</a:t>
             </a:fld>
             <a:endParaRPr lang="en-US"/>
           </a:p>
@@ -2679,7 +2681,7 @@
           <a:p>
             <a:fld id="{0A6490CE-BE8E-7E4B-9B67-11CEB3AEEF49}" type="datetimeFigureOut">
               <a:rPr lang="en-US" smtClean="0"/>
-              <a:t>10/17/23</a:t>
+              <a:t>10/9/24</a:t>
             </a:fld>
             <a:endParaRPr lang="en-US"/>
           </a:p>
@@ -2920,7 +2922,7 @@
           <a:p>
             <a:fld id="{0A6490CE-BE8E-7E4B-9B67-11CEB3AEEF49}" type="datetimeFigureOut">
               <a:rPr lang="en-US" smtClean="0"/>
-              <a:t>10/17/23</a:t>
+              <a:t>10/9/24</a:t>
             </a:fld>
             <a:endParaRPr lang="en-US"/>
           </a:p>
@@ -3383,7 +3385,9 @@
         </p:nvSpPr>
         <p:spPr/>
         <p:txBody>
-          <a:bodyPr/>
+          <a:bodyPr>
+            <a:normAutofit lnSpcReduction="10000"/>
+          </a:bodyPr>
           <a:lstStyle/>
           <a:p>
             <a:r>
@@ -3397,37 +3401,46 @@
           <a:p>
             <a:r>
               <a:rPr lang="en-US" dirty="0"/>
-              <a:t>One important new idea – mutual reference / recursion</a:t>
-            </a:r>
-          </a:p>
-          <a:p>
+              <a:t>Two important new ideas</a:t>
+            </a:r>
+          </a:p>
+          <a:p>
+            <a:pPr lvl="1"/>
+            <a:r>
+              <a:rPr lang="en-US" dirty="0"/>
+              <a:t>mutual reference / recursion</a:t>
+            </a:r>
+          </a:p>
+          <a:p>
+            <a:pPr lvl="2"/>
             <a:r>
               <a:rPr lang="en-US" dirty="0"/>
               <a:t>The hard parts won’t actually be very hard</a:t>
             </a:r>
           </a:p>
           <a:p>
-            <a:pPr lvl="1"/>
+            <a:pPr lvl="3"/>
             <a:r>
               <a:rPr lang="en-US" dirty="0"/>
               <a:t>just trusting natural recursions as usual</a:t>
             </a:r>
           </a:p>
           <a:p>
-            <a:pPr lvl="1"/>
+            <a:pPr lvl="3"/>
             <a:r>
               <a:rPr lang="en-US" dirty="0"/>
               <a:t>not blind trust - we have to get base, contribution and combination right!</a:t>
             </a:r>
           </a:p>
           <a:p>
+            <a:pPr lvl="2"/>
             <a:r>
               <a:rPr lang="en-US" dirty="0"/>
               <a:t>The easy parts will require learning some new details</a:t>
             </a:r>
           </a:p>
           <a:p>
-            <a:pPr lvl="1"/>
+            <a:pPr lvl="2"/>
             <a:r>
               <a:rPr lang="en-US" dirty="0"/>
               <a:t>minor housekeeping changes with @</a:t>
@@ -3438,7 +3451,36 @@
             </a:r>
             <a:r>
               <a:rPr lang="en-US" dirty="0"/>
+              <a:t> @</a:t>
+            </a:r>
+            <a:r>
+              <a:rPr lang="en-US" dirty="0" err="1"/>
+              <a:t>htdd</a:t>
+            </a:r>
+            <a:r>
+              <a:rPr lang="en-US" dirty="0"/>
               <a:t> organization</a:t>
+            </a:r>
+          </a:p>
+          <a:p>
+            <a:pPr lvl="1"/>
+            <a:r>
+              <a:rPr lang="en-US" dirty="0"/>
+              <a:t>Functions that can fail</a:t>
+            </a:r>
+          </a:p>
+          <a:p>
+            <a:pPr lvl="2"/>
+            <a:r>
+              <a:rPr lang="en-US" dirty="0"/>
+              <a:t>or false in signatures</a:t>
+            </a:r>
+          </a:p>
+          <a:p>
+            <a:pPr lvl="2"/>
+            <a:r>
+              <a:rPr lang="en-US" dirty="0"/>
+              <a:t>Try-catch template</a:t>
             </a:r>
           </a:p>
         </p:txBody>
@@ -3457,6 +3499,1552 @@
 </file>
 
 <file path=ppt/slides/slide10.xml><?xml version="1.0" encoding="utf-8"?>
+<p:sld xmlns:a="http://schemas.openxmlformats.org/drawingml/2006/main" xmlns:r="http://schemas.openxmlformats.org/officeDocument/2006/relationships" xmlns:p="http://schemas.openxmlformats.org/presentationml/2006/main">
+  <p:cSld>
+    <p:spTree>
+      <p:nvGrpSpPr>
+        <p:cNvPr id="1" name="">
+          <a:extLst>
+            <a:ext uri="{FF2B5EF4-FFF2-40B4-BE49-F238E27FC236}">
+              <a16:creationId xmlns:a16="http://schemas.microsoft.com/office/drawing/2014/main" id="{F59F5A11-6E09-7F49-A451-07F028756835}"/>
+            </a:ext>
+          </a:extLst>
+        </p:cNvPr>
+        <p:cNvGrpSpPr/>
+        <p:nvPr/>
+      </p:nvGrpSpPr>
+      <p:grpSpPr>
+        <a:xfrm>
+          <a:off x="0" y="0"/>
+          <a:ext cx="0" cy="0"/>
+          <a:chOff x="0" y="0"/>
+          <a:chExt cx="0" cy="0"/>
+        </a:xfrm>
+      </p:grpSpPr>
+      <p:pic>
+        <p:nvPicPr>
+          <p:cNvPr id="3" name="Picture 2">
+            <a:extLst>
+              <a:ext uri="{FF2B5EF4-FFF2-40B4-BE49-F238E27FC236}">
+                <a16:creationId xmlns:a16="http://schemas.microsoft.com/office/drawing/2014/main" id="{967DEAE7-351A-F52E-F5C3-E6D2130F87F3}"/>
+              </a:ext>
+            </a:extLst>
+          </p:cNvPr>
+          <p:cNvPicPr>
+            <a:picLocks noChangeAspect="1"/>
+          </p:cNvPicPr>
+          <p:nvPr/>
+        </p:nvPicPr>
+        <p:blipFill>
+          <a:blip r:embed="rId2"/>
+          <a:stretch>
+            <a:fillRect/>
+          </a:stretch>
+        </p:blipFill>
+        <p:spPr>
+          <a:xfrm>
+            <a:off x="2293554" y="1305766"/>
+            <a:ext cx="7604891" cy="4246468"/>
+          </a:xfrm>
+          <a:prstGeom prst="rect">
+            <a:avLst/>
+          </a:prstGeom>
+        </p:spPr>
+      </p:pic>
+      <p:sp>
+        <p:nvSpPr>
+          <p:cNvPr id="2" name="TextBox 1">
+            <a:extLst>
+              <a:ext uri="{FF2B5EF4-FFF2-40B4-BE49-F238E27FC236}">
+                <a16:creationId xmlns:a16="http://schemas.microsoft.com/office/drawing/2014/main" id="{C9376985-80F8-D111-72DA-ABE901F2C50F}"/>
+              </a:ext>
+            </a:extLst>
+          </p:cNvPr>
+          <p:cNvSpPr txBox="1"/>
+          <p:nvPr/>
+        </p:nvSpPr>
+        <p:spPr>
+          <a:xfrm>
+            <a:off x="273269" y="746234"/>
+            <a:ext cx="4635062" cy="830997"/>
+          </a:xfrm>
+          <a:prstGeom prst="rect">
+            <a:avLst/>
+          </a:prstGeom>
+          <a:noFill/>
+        </p:spPr>
+        <p:txBody>
+          <a:bodyPr wrap="square" rtlCol="0">
+            <a:spAutoFit/>
+          </a:bodyPr>
+          <a:lstStyle/>
+          <a:p>
+            <a:r>
+              <a:rPr lang="en-US" sz="2400" dirty="0">
+                <a:solidFill>
+                  <a:srgbClr val="FF0000"/>
+                </a:solidFill>
+              </a:rPr>
+              <a:t>L1, L2, I4 etc. are the</a:t>
+            </a:r>
+          </a:p>
+          <a:p>
+            <a:r>
+              <a:rPr lang="en-US" sz="2400" dirty="0">
+                <a:solidFill>
+                  <a:srgbClr val="FF0000"/>
+                </a:solidFill>
+              </a:rPr>
+              <a:t>NAMES OF THE CONSTANTS</a:t>
+            </a:r>
+          </a:p>
+        </p:txBody>
+      </p:sp>
+      <p:grpSp>
+        <p:nvGrpSpPr>
+          <p:cNvPr id="6" name="Group 5">
+            <a:extLst>
+              <a:ext uri="{FF2B5EF4-FFF2-40B4-BE49-F238E27FC236}">
+                <a16:creationId xmlns:a16="http://schemas.microsoft.com/office/drawing/2014/main" id="{FE49CCC1-BE38-00B8-9976-0E4DEFF6E4B2}"/>
+              </a:ext>
+            </a:extLst>
+          </p:cNvPr>
+          <p:cNvGrpSpPr/>
+          <p:nvPr/>
+        </p:nvGrpSpPr>
+        <p:grpSpPr>
+          <a:xfrm>
+            <a:off x="2590800" y="4712262"/>
+            <a:ext cx="642280" cy="646331"/>
+            <a:chOff x="1008994" y="3272345"/>
+            <a:chExt cx="642280" cy="646331"/>
+          </a:xfrm>
+        </p:grpSpPr>
+        <p:sp>
+          <p:nvSpPr>
+            <p:cNvPr id="5" name="Rectangle 4">
+              <a:extLst>
+                <a:ext uri="{FF2B5EF4-FFF2-40B4-BE49-F238E27FC236}">
+                  <a16:creationId xmlns:a16="http://schemas.microsoft.com/office/drawing/2014/main" id="{70DE40B5-AD30-7327-31AB-5AEC12F7978A}"/>
+                </a:ext>
+              </a:extLst>
+            </p:cNvPr>
+            <p:cNvSpPr/>
+            <p:nvPr/>
+          </p:nvSpPr>
+          <p:spPr>
+            <a:xfrm>
+              <a:off x="1031164" y="3385303"/>
+              <a:ext cx="620110" cy="420413"/>
+            </a:xfrm>
+            <a:prstGeom prst="rect">
+              <a:avLst/>
+            </a:prstGeom>
+            <a:solidFill>
+              <a:schemeClr val="bg1"/>
+            </a:solidFill>
+            <a:ln>
+              <a:solidFill>
+                <a:schemeClr val="bg1"/>
+              </a:solidFill>
+            </a:ln>
+          </p:spPr>
+          <p:style>
+            <a:lnRef idx="2">
+              <a:schemeClr val="accent1">
+                <a:shade val="15000"/>
+              </a:schemeClr>
+            </a:lnRef>
+            <a:fillRef idx="1">
+              <a:schemeClr val="accent1"/>
+            </a:fillRef>
+            <a:effectRef idx="0">
+              <a:schemeClr val="accent1"/>
+            </a:effectRef>
+            <a:fontRef idx="minor">
+              <a:schemeClr val="lt1"/>
+            </a:fontRef>
+          </p:style>
+          <p:txBody>
+            <a:bodyPr rtlCol="0" anchor="ctr"/>
+            <a:lstStyle/>
+            <a:p>
+              <a:pPr algn="ctr"/>
+              <a:endParaRPr lang="en-US"/>
+            </a:p>
+          </p:txBody>
+        </p:sp>
+        <p:sp>
+          <p:nvSpPr>
+            <p:cNvPr id="4" name="TextBox 3">
+              <a:extLst>
+                <a:ext uri="{FF2B5EF4-FFF2-40B4-BE49-F238E27FC236}">
+                  <a16:creationId xmlns:a16="http://schemas.microsoft.com/office/drawing/2014/main" id="{A75A88C7-E6D7-6CB3-8AAE-54057D3903BB}"/>
+                </a:ext>
+              </a:extLst>
+            </p:cNvPr>
+            <p:cNvSpPr txBox="1"/>
+            <p:nvPr/>
+          </p:nvSpPr>
+          <p:spPr>
+            <a:xfrm>
+              <a:off x="1008994" y="3272345"/>
+              <a:ext cx="620110" cy="646331"/>
+            </a:xfrm>
+            <a:prstGeom prst="rect">
+              <a:avLst/>
+            </a:prstGeom>
+            <a:noFill/>
+          </p:spPr>
+          <p:txBody>
+            <a:bodyPr wrap="square" rtlCol="0">
+              <a:spAutoFit/>
+            </a:bodyPr>
+            <a:lstStyle/>
+            <a:p>
+              <a:r>
+                <a:rPr lang="en-US" sz="3600" dirty="0"/>
+                <a:t>L1</a:t>
+              </a:r>
+            </a:p>
+          </p:txBody>
+        </p:sp>
+      </p:grpSp>
+      <p:grpSp>
+        <p:nvGrpSpPr>
+          <p:cNvPr id="7" name="Group 6">
+            <a:extLst>
+              <a:ext uri="{FF2B5EF4-FFF2-40B4-BE49-F238E27FC236}">
+                <a16:creationId xmlns:a16="http://schemas.microsoft.com/office/drawing/2014/main" id="{7EC5A60A-BD1F-9499-BC90-4AF172FA5511}"/>
+              </a:ext>
+            </a:extLst>
+          </p:cNvPr>
+          <p:cNvGrpSpPr/>
+          <p:nvPr/>
+        </p:nvGrpSpPr>
+        <p:grpSpPr>
+          <a:xfrm>
+            <a:off x="3836275" y="4712262"/>
+            <a:ext cx="642280" cy="646331"/>
+            <a:chOff x="1008994" y="3272345"/>
+            <a:chExt cx="642280" cy="646331"/>
+          </a:xfrm>
+        </p:grpSpPr>
+        <p:sp>
+          <p:nvSpPr>
+            <p:cNvPr id="8" name="Rectangle 7">
+              <a:extLst>
+                <a:ext uri="{FF2B5EF4-FFF2-40B4-BE49-F238E27FC236}">
+                  <a16:creationId xmlns:a16="http://schemas.microsoft.com/office/drawing/2014/main" id="{24938640-4B89-1D0B-158C-B30EF32BAB73}"/>
+                </a:ext>
+              </a:extLst>
+            </p:cNvPr>
+            <p:cNvSpPr/>
+            <p:nvPr/>
+          </p:nvSpPr>
+          <p:spPr>
+            <a:xfrm>
+              <a:off x="1031164" y="3385303"/>
+              <a:ext cx="620110" cy="420413"/>
+            </a:xfrm>
+            <a:prstGeom prst="rect">
+              <a:avLst/>
+            </a:prstGeom>
+            <a:solidFill>
+              <a:schemeClr val="bg1"/>
+            </a:solidFill>
+            <a:ln>
+              <a:solidFill>
+                <a:schemeClr val="bg1"/>
+              </a:solidFill>
+            </a:ln>
+          </p:spPr>
+          <p:style>
+            <a:lnRef idx="2">
+              <a:schemeClr val="accent1">
+                <a:shade val="15000"/>
+              </a:schemeClr>
+            </a:lnRef>
+            <a:fillRef idx="1">
+              <a:schemeClr val="accent1"/>
+            </a:fillRef>
+            <a:effectRef idx="0">
+              <a:schemeClr val="accent1"/>
+            </a:effectRef>
+            <a:fontRef idx="minor">
+              <a:schemeClr val="lt1"/>
+            </a:fontRef>
+          </p:style>
+          <p:txBody>
+            <a:bodyPr rtlCol="0" anchor="ctr"/>
+            <a:lstStyle/>
+            <a:p>
+              <a:pPr algn="ctr"/>
+              <a:endParaRPr lang="en-US"/>
+            </a:p>
+          </p:txBody>
+        </p:sp>
+        <p:sp>
+          <p:nvSpPr>
+            <p:cNvPr id="9" name="TextBox 8">
+              <a:extLst>
+                <a:ext uri="{FF2B5EF4-FFF2-40B4-BE49-F238E27FC236}">
+                  <a16:creationId xmlns:a16="http://schemas.microsoft.com/office/drawing/2014/main" id="{560F9579-A921-D8F9-96E2-68CFA2748572}"/>
+                </a:ext>
+              </a:extLst>
+            </p:cNvPr>
+            <p:cNvSpPr txBox="1"/>
+            <p:nvPr/>
+          </p:nvSpPr>
+          <p:spPr>
+            <a:xfrm>
+              <a:off x="1008994" y="3272345"/>
+              <a:ext cx="620110" cy="646331"/>
+            </a:xfrm>
+            <a:prstGeom prst="rect">
+              <a:avLst/>
+            </a:prstGeom>
+            <a:noFill/>
+          </p:spPr>
+          <p:txBody>
+            <a:bodyPr wrap="square" rtlCol="0">
+              <a:spAutoFit/>
+            </a:bodyPr>
+            <a:lstStyle/>
+            <a:p>
+              <a:r>
+                <a:rPr lang="en-US" sz="3600" dirty="0"/>
+                <a:t>L2</a:t>
+              </a:r>
+            </a:p>
+          </p:txBody>
+        </p:sp>
+      </p:grpSp>
+      <p:grpSp>
+        <p:nvGrpSpPr>
+          <p:cNvPr id="10" name="Group 9">
+            <a:extLst>
+              <a:ext uri="{FF2B5EF4-FFF2-40B4-BE49-F238E27FC236}">
+                <a16:creationId xmlns:a16="http://schemas.microsoft.com/office/drawing/2014/main" id="{2468C70E-9C4E-99E7-5713-A3C8EA72B2D7}"/>
+              </a:ext>
+            </a:extLst>
+          </p:cNvPr>
+          <p:cNvGrpSpPr/>
+          <p:nvPr/>
+        </p:nvGrpSpPr>
+        <p:grpSpPr>
+          <a:xfrm>
+            <a:off x="5077644" y="4712262"/>
+            <a:ext cx="642280" cy="646331"/>
+            <a:chOff x="1008994" y="3272345"/>
+            <a:chExt cx="642280" cy="646331"/>
+          </a:xfrm>
+        </p:grpSpPr>
+        <p:sp>
+          <p:nvSpPr>
+            <p:cNvPr id="11" name="Rectangle 10">
+              <a:extLst>
+                <a:ext uri="{FF2B5EF4-FFF2-40B4-BE49-F238E27FC236}">
+                  <a16:creationId xmlns:a16="http://schemas.microsoft.com/office/drawing/2014/main" id="{039B6D1B-C961-D06B-C5AA-75B5F5BC9661}"/>
+                </a:ext>
+              </a:extLst>
+            </p:cNvPr>
+            <p:cNvSpPr/>
+            <p:nvPr/>
+          </p:nvSpPr>
+          <p:spPr>
+            <a:xfrm>
+              <a:off x="1031164" y="3385303"/>
+              <a:ext cx="620110" cy="420413"/>
+            </a:xfrm>
+            <a:prstGeom prst="rect">
+              <a:avLst/>
+            </a:prstGeom>
+            <a:solidFill>
+              <a:schemeClr val="bg1"/>
+            </a:solidFill>
+            <a:ln>
+              <a:solidFill>
+                <a:schemeClr val="bg1"/>
+              </a:solidFill>
+            </a:ln>
+          </p:spPr>
+          <p:style>
+            <a:lnRef idx="2">
+              <a:schemeClr val="accent1">
+                <a:shade val="15000"/>
+              </a:schemeClr>
+            </a:lnRef>
+            <a:fillRef idx="1">
+              <a:schemeClr val="accent1"/>
+            </a:fillRef>
+            <a:effectRef idx="0">
+              <a:schemeClr val="accent1"/>
+            </a:effectRef>
+            <a:fontRef idx="minor">
+              <a:schemeClr val="lt1"/>
+            </a:fontRef>
+          </p:style>
+          <p:txBody>
+            <a:bodyPr rtlCol="0" anchor="ctr"/>
+            <a:lstStyle/>
+            <a:p>
+              <a:pPr algn="ctr"/>
+              <a:endParaRPr lang="en-US"/>
+            </a:p>
+          </p:txBody>
+        </p:sp>
+        <p:sp>
+          <p:nvSpPr>
+            <p:cNvPr id="12" name="TextBox 11">
+              <a:extLst>
+                <a:ext uri="{FF2B5EF4-FFF2-40B4-BE49-F238E27FC236}">
+                  <a16:creationId xmlns:a16="http://schemas.microsoft.com/office/drawing/2014/main" id="{AF01F5DA-074E-0A6B-14CD-2D8A192FC3D8}"/>
+                </a:ext>
+              </a:extLst>
+            </p:cNvPr>
+            <p:cNvSpPr txBox="1"/>
+            <p:nvPr/>
+          </p:nvSpPr>
+          <p:spPr>
+            <a:xfrm>
+              <a:off x="1008994" y="3272345"/>
+              <a:ext cx="620110" cy="646331"/>
+            </a:xfrm>
+            <a:prstGeom prst="rect">
+              <a:avLst/>
+            </a:prstGeom>
+            <a:noFill/>
+          </p:spPr>
+          <p:txBody>
+            <a:bodyPr wrap="square" rtlCol="0">
+              <a:spAutoFit/>
+            </a:bodyPr>
+            <a:lstStyle/>
+            <a:p>
+              <a:r>
+                <a:rPr lang="en-US" sz="3600" dirty="0"/>
+                <a:t>L3</a:t>
+              </a:r>
+            </a:p>
+          </p:txBody>
+        </p:sp>
+      </p:grpSp>
+      <p:grpSp>
+        <p:nvGrpSpPr>
+          <p:cNvPr id="13" name="Group 12">
+            <a:extLst>
+              <a:ext uri="{FF2B5EF4-FFF2-40B4-BE49-F238E27FC236}">
+                <a16:creationId xmlns:a16="http://schemas.microsoft.com/office/drawing/2014/main" id="{BF3F4255-AC20-99EE-6C9E-C45C396F6F8A}"/>
+              </a:ext>
+            </a:extLst>
+          </p:cNvPr>
+          <p:cNvGrpSpPr/>
+          <p:nvPr/>
+        </p:nvGrpSpPr>
+        <p:grpSpPr>
+          <a:xfrm>
+            <a:off x="6421821" y="3613931"/>
+            <a:ext cx="642280" cy="646331"/>
+            <a:chOff x="1008994" y="3272345"/>
+            <a:chExt cx="642280" cy="646331"/>
+          </a:xfrm>
+        </p:grpSpPr>
+        <p:sp>
+          <p:nvSpPr>
+            <p:cNvPr id="14" name="Rectangle 13">
+              <a:extLst>
+                <a:ext uri="{FF2B5EF4-FFF2-40B4-BE49-F238E27FC236}">
+                  <a16:creationId xmlns:a16="http://schemas.microsoft.com/office/drawing/2014/main" id="{C68EE4B0-E818-039E-24C2-FAD6C311A4AB}"/>
+                </a:ext>
+              </a:extLst>
+            </p:cNvPr>
+            <p:cNvSpPr/>
+            <p:nvPr/>
+          </p:nvSpPr>
+          <p:spPr>
+            <a:xfrm>
+              <a:off x="1031164" y="3385303"/>
+              <a:ext cx="620110" cy="420413"/>
+            </a:xfrm>
+            <a:prstGeom prst="rect">
+              <a:avLst/>
+            </a:prstGeom>
+            <a:solidFill>
+              <a:schemeClr val="bg1"/>
+            </a:solidFill>
+            <a:ln>
+              <a:solidFill>
+                <a:schemeClr val="bg1"/>
+              </a:solidFill>
+            </a:ln>
+          </p:spPr>
+          <p:style>
+            <a:lnRef idx="2">
+              <a:schemeClr val="accent1">
+                <a:shade val="15000"/>
+              </a:schemeClr>
+            </a:lnRef>
+            <a:fillRef idx="1">
+              <a:schemeClr val="accent1"/>
+            </a:fillRef>
+            <a:effectRef idx="0">
+              <a:schemeClr val="accent1"/>
+            </a:effectRef>
+            <a:fontRef idx="minor">
+              <a:schemeClr val="lt1"/>
+            </a:fontRef>
+          </p:style>
+          <p:txBody>
+            <a:bodyPr rtlCol="0" anchor="ctr"/>
+            <a:lstStyle/>
+            <a:p>
+              <a:pPr algn="ctr"/>
+              <a:endParaRPr lang="en-US"/>
+            </a:p>
+          </p:txBody>
+        </p:sp>
+        <p:sp>
+          <p:nvSpPr>
+            <p:cNvPr id="15" name="TextBox 14">
+              <a:extLst>
+                <a:ext uri="{FF2B5EF4-FFF2-40B4-BE49-F238E27FC236}">
+                  <a16:creationId xmlns:a16="http://schemas.microsoft.com/office/drawing/2014/main" id="{AF9D80FE-7029-E9F8-F125-E060A7048F8C}"/>
+                </a:ext>
+              </a:extLst>
+            </p:cNvPr>
+            <p:cNvSpPr txBox="1"/>
+            <p:nvPr/>
+          </p:nvSpPr>
+          <p:spPr>
+            <a:xfrm>
+              <a:off x="1008994" y="3272345"/>
+              <a:ext cx="620110" cy="646331"/>
+            </a:xfrm>
+            <a:prstGeom prst="rect">
+              <a:avLst/>
+            </a:prstGeom>
+            <a:noFill/>
+          </p:spPr>
+          <p:txBody>
+            <a:bodyPr wrap="square" rtlCol="0">
+              <a:spAutoFit/>
+            </a:bodyPr>
+            <a:lstStyle/>
+            <a:p>
+              <a:r>
+                <a:rPr lang="en-US" sz="3600" dirty="0"/>
+                <a:t>L4</a:t>
+              </a:r>
+            </a:p>
+          </p:txBody>
+        </p:sp>
+      </p:grpSp>
+      <p:grpSp>
+        <p:nvGrpSpPr>
+          <p:cNvPr id="16" name="Group 15">
+            <a:extLst>
+              <a:ext uri="{FF2B5EF4-FFF2-40B4-BE49-F238E27FC236}">
+                <a16:creationId xmlns:a16="http://schemas.microsoft.com/office/drawing/2014/main" id="{90289D04-15EC-3D07-C744-239904BFBBDA}"/>
+              </a:ext>
+            </a:extLst>
+          </p:cNvPr>
+          <p:cNvGrpSpPr/>
+          <p:nvPr/>
+        </p:nvGrpSpPr>
+        <p:grpSpPr>
+          <a:xfrm>
+            <a:off x="7698828" y="3613931"/>
+            <a:ext cx="642280" cy="646331"/>
+            <a:chOff x="1008994" y="3272345"/>
+            <a:chExt cx="642280" cy="646331"/>
+          </a:xfrm>
+        </p:grpSpPr>
+        <p:sp>
+          <p:nvSpPr>
+            <p:cNvPr id="17" name="Rectangle 16">
+              <a:extLst>
+                <a:ext uri="{FF2B5EF4-FFF2-40B4-BE49-F238E27FC236}">
+                  <a16:creationId xmlns:a16="http://schemas.microsoft.com/office/drawing/2014/main" id="{CA6AAE31-0D2C-1E99-01D9-05BA87417D80}"/>
+                </a:ext>
+              </a:extLst>
+            </p:cNvPr>
+            <p:cNvSpPr/>
+            <p:nvPr/>
+          </p:nvSpPr>
+          <p:spPr>
+            <a:xfrm>
+              <a:off x="1031164" y="3385303"/>
+              <a:ext cx="620110" cy="420413"/>
+            </a:xfrm>
+            <a:prstGeom prst="rect">
+              <a:avLst/>
+            </a:prstGeom>
+            <a:solidFill>
+              <a:schemeClr val="bg1"/>
+            </a:solidFill>
+            <a:ln>
+              <a:solidFill>
+                <a:schemeClr val="bg1"/>
+              </a:solidFill>
+            </a:ln>
+          </p:spPr>
+          <p:style>
+            <a:lnRef idx="2">
+              <a:schemeClr val="accent1">
+                <a:shade val="15000"/>
+              </a:schemeClr>
+            </a:lnRef>
+            <a:fillRef idx="1">
+              <a:schemeClr val="accent1"/>
+            </a:fillRef>
+            <a:effectRef idx="0">
+              <a:schemeClr val="accent1"/>
+            </a:effectRef>
+            <a:fontRef idx="minor">
+              <a:schemeClr val="lt1"/>
+            </a:fontRef>
+          </p:style>
+          <p:txBody>
+            <a:bodyPr rtlCol="0" anchor="ctr"/>
+            <a:lstStyle/>
+            <a:p>
+              <a:pPr algn="ctr"/>
+              <a:endParaRPr lang="en-US"/>
+            </a:p>
+          </p:txBody>
+        </p:sp>
+        <p:sp>
+          <p:nvSpPr>
+            <p:cNvPr id="18" name="TextBox 17">
+              <a:extLst>
+                <a:ext uri="{FF2B5EF4-FFF2-40B4-BE49-F238E27FC236}">
+                  <a16:creationId xmlns:a16="http://schemas.microsoft.com/office/drawing/2014/main" id="{8D184F32-F129-3D35-539F-5A07C60B6B6E}"/>
+                </a:ext>
+              </a:extLst>
+            </p:cNvPr>
+            <p:cNvSpPr txBox="1"/>
+            <p:nvPr/>
+          </p:nvSpPr>
+          <p:spPr>
+            <a:xfrm>
+              <a:off x="1008994" y="3272345"/>
+              <a:ext cx="620110" cy="646331"/>
+            </a:xfrm>
+            <a:prstGeom prst="rect">
+              <a:avLst/>
+            </a:prstGeom>
+            <a:noFill/>
+          </p:spPr>
+          <p:txBody>
+            <a:bodyPr wrap="square" rtlCol="0">
+              <a:spAutoFit/>
+            </a:bodyPr>
+            <a:lstStyle/>
+            <a:p>
+              <a:r>
+                <a:rPr lang="en-US" sz="3600" dirty="0"/>
+                <a:t>L5</a:t>
+              </a:r>
+            </a:p>
+          </p:txBody>
+        </p:sp>
+      </p:grpSp>
+      <p:grpSp>
+        <p:nvGrpSpPr>
+          <p:cNvPr id="19" name="Group 18">
+            <a:extLst>
+              <a:ext uri="{FF2B5EF4-FFF2-40B4-BE49-F238E27FC236}">
+                <a16:creationId xmlns:a16="http://schemas.microsoft.com/office/drawing/2014/main" id="{0A938B1B-DF42-7E3B-43EE-39CD80D9C5E4}"/>
+              </a:ext>
+            </a:extLst>
+          </p:cNvPr>
+          <p:cNvGrpSpPr/>
+          <p:nvPr/>
+        </p:nvGrpSpPr>
+        <p:grpSpPr>
+          <a:xfrm>
+            <a:off x="9032984" y="3613929"/>
+            <a:ext cx="642280" cy="646331"/>
+            <a:chOff x="1008994" y="3272345"/>
+            <a:chExt cx="642280" cy="646331"/>
+          </a:xfrm>
+        </p:grpSpPr>
+        <p:sp>
+          <p:nvSpPr>
+            <p:cNvPr id="20" name="Rectangle 19">
+              <a:extLst>
+                <a:ext uri="{FF2B5EF4-FFF2-40B4-BE49-F238E27FC236}">
+                  <a16:creationId xmlns:a16="http://schemas.microsoft.com/office/drawing/2014/main" id="{22F642AD-C092-722D-5B5E-625305FB5A42}"/>
+                </a:ext>
+              </a:extLst>
+            </p:cNvPr>
+            <p:cNvSpPr/>
+            <p:nvPr/>
+          </p:nvSpPr>
+          <p:spPr>
+            <a:xfrm>
+              <a:off x="1031164" y="3385303"/>
+              <a:ext cx="620110" cy="420413"/>
+            </a:xfrm>
+            <a:prstGeom prst="rect">
+              <a:avLst/>
+            </a:prstGeom>
+            <a:solidFill>
+              <a:schemeClr val="bg1"/>
+            </a:solidFill>
+            <a:ln>
+              <a:solidFill>
+                <a:schemeClr val="bg1"/>
+              </a:solidFill>
+            </a:ln>
+          </p:spPr>
+          <p:style>
+            <a:lnRef idx="2">
+              <a:schemeClr val="accent1">
+                <a:shade val="15000"/>
+              </a:schemeClr>
+            </a:lnRef>
+            <a:fillRef idx="1">
+              <a:schemeClr val="accent1"/>
+            </a:fillRef>
+            <a:effectRef idx="0">
+              <a:schemeClr val="accent1"/>
+            </a:effectRef>
+            <a:fontRef idx="minor">
+              <a:schemeClr val="lt1"/>
+            </a:fontRef>
+          </p:style>
+          <p:txBody>
+            <a:bodyPr rtlCol="0" anchor="ctr"/>
+            <a:lstStyle/>
+            <a:p>
+              <a:pPr algn="ctr"/>
+              <a:endParaRPr lang="en-US"/>
+            </a:p>
+          </p:txBody>
+        </p:sp>
+        <p:sp>
+          <p:nvSpPr>
+            <p:cNvPr id="21" name="TextBox 20">
+              <a:extLst>
+                <a:ext uri="{FF2B5EF4-FFF2-40B4-BE49-F238E27FC236}">
+                  <a16:creationId xmlns:a16="http://schemas.microsoft.com/office/drawing/2014/main" id="{188C435D-9083-E476-67B5-5CFD82943D5F}"/>
+                </a:ext>
+              </a:extLst>
+            </p:cNvPr>
+            <p:cNvSpPr txBox="1"/>
+            <p:nvPr/>
+          </p:nvSpPr>
+          <p:spPr>
+            <a:xfrm>
+              <a:off x="1008994" y="3272345"/>
+              <a:ext cx="620110" cy="646331"/>
+            </a:xfrm>
+            <a:prstGeom prst="rect">
+              <a:avLst/>
+            </a:prstGeom>
+            <a:noFill/>
+          </p:spPr>
+          <p:txBody>
+            <a:bodyPr wrap="square" rtlCol="0">
+              <a:spAutoFit/>
+            </a:bodyPr>
+            <a:lstStyle/>
+            <a:p>
+              <a:r>
+                <a:rPr lang="en-US" sz="3600" dirty="0"/>
+                <a:t>L6</a:t>
+              </a:r>
+            </a:p>
+          </p:txBody>
+        </p:sp>
+      </p:grpSp>
+      <p:grpSp>
+        <p:nvGrpSpPr>
+          <p:cNvPr id="22" name="Group 21">
+            <a:extLst>
+              <a:ext uri="{FF2B5EF4-FFF2-40B4-BE49-F238E27FC236}">
+                <a16:creationId xmlns:a16="http://schemas.microsoft.com/office/drawing/2014/main" id="{45F50AFC-2FFB-D8C8-DB84-0AAE3DCF9B48}"/>
+              </a:ext>
+            </a:extLst>
+          </p:cNvPr>
+          <p:cNvGrpSpPr/>
+          <p:nvPr/>
+        </p:nvGrpSpPr>
+        <p:grpSpPr>
+          <a:xfrm>
+            <a:off x="3778467" y="3639448"/>
+            <a:ext cx="735725" cy="646331"/>
+            <a:chOff x="951186" y="3272343"/>
+            <a:chExt cx="735725" cy="646331"/>
+          </a:xfrm>
+        </p:grpSpPr>
+        <p:sp>
+          <p:nvSpPr>
+            <p:cNvPr id="23" name="Rectangle 22">
+              <a:extLst>
+                <a:ext uri="{FF2B5EF4-FFF2-40B4-BE49-F238E27FC236}">
+                  <a16:creationId xmlns:a16="http://schemas.microsoft.com/office/drawing/2014/main" id="{63051964-F230-3C36-E08B-9AEAFCFC5E94}"/>
+                </a:ext>
+              </a:extLst>
+            </p:cNvPr>
+            <p:cNvSpPr/>
+            <p:nvPr/>
+          </p:nvSpPr>
+          <p:spPr>
+            <a:xfrm>
+              <a:off x="1031164" y="3385303"/>
+              <a:ext cx="620110" cy="420413"/>
+            </a:xfrm>
+            <a:prstGeom prst="rect">
+              <a:avLst/>
+            </a:prstGeom>
+            <a:solidFill>
+              <a:schemeClr val="bg1"/>
+            </a:solidFill>
+            <a:ln>
+              <a:solidFill>
+                <a:schemeClr val="bg1"/>
+              </a:solidFill>
+            </a:ln>
+          </p:spPr>
+          <p:style>
+            <a:lnRef idx="2">
+              <a:schemeClr val="accent1">
+                <a:shade val="15000"/>
+              </a:schemeClr>
+            </a:lnRef>
+            <a:fillRef idx="1">
+              <a:schemeClr val="accent1"/>
+            </a:fillRef>
+            <a:effectRef idx="0">
+              <a:schemeClr val="accent1"/>
+            </a:effectRef>
+            <a:fontRef idx="minor">
+              <a:schemeClr val="lt1"/>
+            </a:fontRef>
+          </p:style>
+          <p:txBody>
+            <a:bodyPr rtlCol="0" anchor="ctr"/>
+            <a:lstStyle/>
+            <a:p>
+              <a:pPr algn="ctr"/>
+              <a:endParaRPr lang="en-US"/>
+            </a:p>
+          </p:txBody>
+        </p:sp>
+        <p:sp>
+          <p:nvSpPr>
+            <p:cNvPr id="24" name="TextBox 23">
+              <a:extLst>
+                <a:ext uri="{FF2B5EF4-FFF2-40B4-BE49-F238E27FC236}">
+                  <a16:creationId xmlns:a16="http://schemas.microsoft.com/office/drawing/2014/main" id="{487E55E0-7433-C476-379A-1D28B671EAD0}"/>
+                </a:ext>
+              </a:extLst>
+            </p:cNvPr>
+            <p:cNvSpPr txBox="1"/>
+            <p:nvPr/>
+          </p:nvSpPr>
+          <p:spPr>
+            <a:xfrm>
+              <a:off x="951186" y="3272343"/>
+              <a:ext cx="735725" cy="646331"/>
+            </a:xfrm>
+            <a:prstGeom prst="rect">
+              <a:avLst/>
+            </a:prstGeom>
+            <a:noFill/>
+          </p:spPr>
+          <p:txBody>
+            <a:bodyPr wrap="square" rtlCol="0">
+              <a:spAutoFit/>
+            </a:bodyPr>
+            <a:lstStyle/>
+            <a:p>
+              <a:pPr algn="ctr"/>
+              <a:r>
+                <a:rPr lang="en-US" sz="3600" dirty="0"/>
+                <a:t>I1</a:t>
+              </a:r>
+            </a:p>
+          </p:txBody>
+        </p:sp>
+      </p:grpSp>
+      <p:grpSp>
+        <p:nvGrpSpPr>
+          <p:cNvPr id="26" name="Group 25">
+            <a:extLst>
+              <a:ext uri="{FF2B5EF4-FFF2-40B4-BE49-F238E27FC236}">
+                <a16:creationId xmlns:a16="http://schemas.microsoft.com/office/drawing/2014/main" id="{532C7A2A-D723-6AD8-3290-2076D88B5DDE}"/>
+              </a:ext>
+            </a:extLst>
+          </p:cNvPr>
+          <p:cNvGrpSpPr/>
+          <p:nvPr/>
+        </p:nvGrpSpPr>
+        <p:grpSpPr>
+          <a:xfrm>
+            <a:off x="4442918" y="2595236"/>
+            <a:ext cx="735725" cy="646331"/>
+            <a:chOff x="951186" y="3272343"/>
+            <a:chExt cx="735725" cy="646331"/>
+          </a:xfrm>
+        </p:grpSpPr>
+        <p:sp>
+          <p:nvSpPr>
+            <p:cNvPr id="27" name="Rectangle 26">
+              <a:extLst>
+                <a:ext uri="{FF2B5EF4-FFF2-40B4-BE49-F238E27FC236}">
+                  <a16:creationId xmlns:a16="http://schemas.microsoft.com/office/drawing/2014/main" id="{BB831551-70EA-07B7-BAC9-F60AD098BF7B}"/>
+                </a:ext>
+              </a:extLst>
+            </p:cNvPr>
+            <p:cNvSpPr/>
+            <p:nvPr/>
+          </p:nvSpPr>
+          <p:spPr>
+            <a:xfrm>
+              <a:off x="1031164" y="3385303"/>
+              <a:ext cx="620110" cy="420413"/>
+            </a:xfrm>
+            <a:prstGeom prst="rect">
+              <a:avLst/>
+            </a:prstGeom>
+            <a:solidFill>
+              <a:schemeClr val="bg1"/>
+            </a:solidFill>
+            <a:ln>
+              <a:solidFill>
+                <a:schemeClr val="bg1"/>
+              </a:solidFill>
+            </a:ln>
+          </p:spPr>
+          <p:style>
+            <a:lnRef idx="2">
+              <a:schemeClr val="accent1">
+                <a:shade val="15000"/>
+              </a:schemeClr>
+            </a:lnRef>
+            <a:fillRef idx="1">
+              <a:schemeClr val="accent1"/>
+            </a:fillRef>
+            <a:effectRef idx="0">
+              <a:schemeClr val="accent1"/>
+            </a:effectRef>
+            <a:fontRef idx="minor">
+              <a:schemeClr val="lt1"/>
+            </a:fontRef>
+          </p:style>
+          <p:txBody>
+            <a:bodyPr rtlCol="0" anchor="ctr"/>
+            <a:lstStyle/>
+            <a:p>
+              <a:pPr algn="ctr"/>
+              <a:endParaRPr lang="en-US"/>
+            </a:p>
+          </p:txBody>
+        </p:sp>
+        <p:sp>
+          <p:nvSpPr>
+            <p:cNvPr id="28" name="TextBox 27">
+              <a:extLst>
+                <a:ext uri="{FF2B5EF4-FFF2-40B4-BE49-F238E27FC236}">
+                  <a16:creationId xmlns:a16="http://schemas.microsoft.com/office/drawing/2014/main" id="{09FBBB9F-776C-F22C-0141-E38D280B3740}"/>
+                </a:ext>
+              </a:extLst>
+            </p:cNvPr>
+            <p:cNvSpPr txBox="1"/>
+            <p:nvPr/>
+          </p:nvSpPr>
+          <p:spPr>
+            <a:xfrm>
+              <a:off x="951186" y="3272343"/>
+              <a:ext cx="735725" cy="646331"/>
+            </a:xfrm>
+            <a:prstGeom prst="rect">
+              <a:avLst/>
+            </a:prstGeom>
+            <a:noFill/>
+          </p:spPr>
+          <p:txBody>
+            <a:bodyPr wrap="square" rtlCol="0">
+              <a:spAutoFit/>
+            </a:bodyPr>
+            <a:lstStyle/>
+            <a:p>
+              <a:pPr algn="ctr"/>
+              <a:r>
+                <a:rPr lang="en-US" sz="3600" dirty="0"/>
+                <a:t>I2</a:t>
+              </a:r>
+            </a:p>
+          </p:txBody>
+        </p:sp>
+      </p:grpSp>
+      <p:grpSp>
+        <p:nvGrpSpPr>
+          <p:cNvPr id="29" name="Group 28">
+            <a:extLst>
+              <a:ext uri="{FF2B5EF4-FFF2-40B4-BE49-F238E27FC236}">
+                <a16:creationId xmlns:a16="http://schemas.microsoft.com/office/drawing/2014/main" id="{3B1D6B3E-0286-E41A-5F3A-91A13F7F3355}"/>
+              </a:ext>
+            </a:extLst>
+          </p:cNvPr>
+          <p:cNvGrpSpPr/>
+          <p:nvPr/>
+        </p:nvGrpSpPr>
+        <p:grpSpPr>
+          <a:xfrm>
+            <a:off x="8311875" y="2587954"/>
+            <a:ext cx="735725" cy="646331"/>
+            <a:chOff x="951186" y="3272343"/>
+            <a:chExt cx="735725" cy="646331"/>
+          </a:xfrm>
+        </p:grpSpPr>
+        <p:sp>
+          <p:nvSpPr>
+            <p:cNvPr id="30" name="Rectangle 29">
+              <a:extLst>
+                <a:ext uri="{FF2B5EF4-FFF2-40B4-BE49-F238E27FC236}">
+                  <a16:creationId xmlns:a16="http://schemas.microsoft.com/office/drawing/2014/main" id="{C98493CB-022D-F1A6-4D4F-DF5BBED5AE80}"/>
+                </a:ext>
+              </a:extLst>
+            </p:cNvPr>
+            <p:cNvSpPr/>
+            <p:nvPr/>
+          </p:nvSpPr>
+          <p:spPr>
+            <a:xfrm>
+              <a:off x="1031164" y="3385303"/>
+              <a:ext cx="620110" cy="420413"/>
+            </a:xfrm>
+            <a:prstGeom prst="rect">
+              <a:avLst/>
+            </a:prstGeom>
+            <a:solidFill>
+              <a:schemeClr val="bg1"/>
+            </a:solidFill>
+            <a:ln>
+              <a:solidFill>
+                <a:schemeClr val="bg1"/>
+              </a:solidFill>
+            </a:ln>
+          </p:spPr>
+          <p:style>
+            <a:lnRef idx="2">
+              <a:schemeClr val="accent1">
+                <a:shade val="15000"/>
+              </a:schemeClr>
+            </a:lnRef>
+            <a:fillRef idx="1">
+              <a:schemeClr val="accent1"/>
+            </a:fillRef>
+            <a:effectRef idx="0">
+              <a:schemeClr val="accent1"/>
+            </a:effectRef>
+            <a:fontRef idx="minor">
+              <a:schemeClr val="lt1"/>
+            </a:fontRef>
+          </p:style>
+          <p:txBody>
+            <a:bodyPr rtlCol="0" anchor="ctr"/>
+            <a:lstStyle/>
+            <a:p>
+              <a:pPr algn="ctr"/>
+              <a:endParaRPr lang="en-US"/>
+            </a:p>
+          </p:txBody>
+        </p:sp>
+        <p:sp>
+          <p:nvSpPr>
+            <p:cNvPr id="31" name="TextBox 30">
+              <a:extLst>
+                <a:ext uri="{FF2B5EF4-FFF2-40B4-BE49-F238E27FC236}">
+                  <a16:creationId xmlns:a16="http://schemas.microsoft.com/office/drawing/2014/main" id="{B425002F-873B-FABB-E7F3-46FF8896B5B5}"/>
+                </a:ext>
+              </a:extLst>
+            </p:cNvPr>
+            <p:cNvSpPr txBox="1"/>
+            <p:nvPr/>
+          </p:nvSpPr>
+          <p:spPr>
+            <a:xfrm>
+              <a:off x="951186" y="3272343"/>
+              <a:ext cx="735725" cy="646331"/>
+            </a:xfrm>
+            <a:prstGeom prst="rect">
+              <a:avLst/>
+            </a:prstGeom>
+            <a:noFill/>
+          </p:spPr>
+          <p:txBody>
+            <a:bodyPr wrap="square" rtlCol="0">
+              <a:spAutoFit/>
+            </a:bodyPr>
+            <a:lstStyle/>
+            <a:p>
+              <a:pPr algn="ctr"/>
+              <a:r>
+                <a:rPr lang="en-US" sz="3600" dirty="0"/>
+                <a:t>I3</a:t>
+              </a:r>
+            </a:p>
+          </p:txBody>
+        </p:sp>
+      </p:grpSp>
+      <p:grpSp>
+        <p:nvGrpSpPr>
+          <p:cNvPr id="32" name="Group 31">
+            <a:extLst>
+              <a:ext uri="{FF2B5EF4-FFF2-40B4-BE49-F238E27FC236}">
+                <a16:creationId xmlns:a16="http://schemas.microsoft.com/office/drawing/2014/main" id="{78954D76-5241-9A96-55E3-7D58A512CCD6}"/>
+              </a:ext>
+            </a:extLst>
+          </p:cNvPr>
+          <p:cNvGrpSpPr/>
+          <p:nvPr/>
+        </p:nvGrpSpPr>
+        <p:grpSpPr>
+          <a:xfrm>
+            <a:off x="5728136" y="1490352"/>
+            <a:ext cx="735725" cy="646331"/>
+            <a:chOff x="951186" y="3272343"/>
+            <a:chExt cx="735725" cy="646331"/>
+          </a:xfrm>
+        </p:grpSpPr>
+        <p:sp>
+          <p:nvSpPr>
+            <p:cNvPr id="33" name="Rectangle 32">
+              <a:extLst>
+                <a:ext uri="{FF2B5EF4-FFF2-40B4-BE49-F238E27FC236}">
+                  <a16:creationId xmlns:a16="http://schemas.microsoft.com/office/drawing/2014/main" id="{86630802-3332-3A7A-F184-EB08C9F77B14}"/>
+                </a:ext>
+              </a:extLst>
+            </p:cNvPr>
+            <p:cNvSpPr/>
+            <p:nvPr/>
+          </p:nvSpPr>
+          <p:spPr>
+            <a:xfrm>
+              <a:off x="1031164" y="3385303"/>
+              <a:ext cx="620110" cy="420413"/>
+            </a:xfrm>
+            <a:prstGeom prst="rect">
+              <a:avLst/>
+            </a:prstGeom>
+            <a:solidFill>
+              <a:schemeClr val="bg1"/>
+            </a:solidFill>
+            <a:ln>
+              <a:solidFill>
+                <a:schemeClr val="bg1"/>
+              </a:solidFill>
+            </a:ln>
+          </p:spPr>
+          <p:style>
+            <a:lnRef idx="2">
+              <a:schemeClr val="accent1">
+                <a:shade val="15000"/>
+              </a:schemeClr>
+            </a:lnRef>
+            <a:fillRef idx="1">
+              <a:schemeClr val="accent1"/>
+            </a:fillRef>
+            <a:effectRef idx="0">
+              <a:schemeClr val="accent1"/>
+            </a:effectRef>
+            <a:fontRef idx="minor">
+              <a:schemeClr val="lt1"/>
+            </a:fontRef>
+          </p:style>
+          <p:txBody>
+            <a:bodyPr rtlCol="0" anchor="ctr"/>
+            <a:lstStyle/>
+            <a:p>
+              <a:pPr algn="ctr"/>
+              <a:endParaRPr lang="en-US"/>
+            </a:p>
+          </p:txBody>
+        </p:sp>
+        <p:sp>
+          <p:nvSpPr>
+            <p:cNvPr id="34" name="TextBox 33">
+              <a:extLst>
+                <a:ext uri="{FF2B5EF4-FFF2-40B4-BE49-F238E27FC236}">
+                  <a16:creationId xmlns:a16="http://schemas.microsoft.com/office/drawing/2014/main" id="{C90217AD-1D61-03AC-8A1B-5C12329C7DD7}"/>
+                </a:ext>
+              </a:extLst>
+            </p:cNvPr>
+            <p:cNvSpPr txBox="1"/>
+            <p:nvPr/>
+          </p:nvSpPr>
+          <p:spPr>
+            <a:xfrm>
+              <a:off x="951186" y="3272343"/>
+              <a:ext cx="735725" cy="646331"/>
+            </a:xfrm>
+            <a:prstGeom prst="rect">
+              <a:avLst/>
+            </a:prstGeom>
+            <a:noFill/>
+          </p:spPr>
+          <p:txBody>
+            <a:bodyPr wrap="square" rtlCol="0">
+              <a:spAutoFit/>
+            </a:bodyPr>
+            <a:lstStyle/>
+            <a:p>
+              <a:pPr algn="ctr"/>
+              <a:r>
+                <a:rPr lang="en-US" sz="3600" dirty="0"/>
+                <a:t>I4</a:t>
+              </a:r>
+            </a:p>
+          </p:txBody>
+        </p:sp>
+      </p:grpSp>
+    </p:spTree>
+    <p:extLst>
+      <p:ext uri="{BB962C8B-B14F-4D97-AF65-F5344CB8AC3E}">
+        <p14:creationId xmlns:p14="http://schemas.microsoft.com/office/powerpoint/2010/main" val="3094537157"/>
+      </p:ext>
+    </p:extLst>
+  </p:cSld>
+  <p:clrMapOvr>
+    <a:masterClrMapping/>
+  </p:clrMapOvr>
+</p:sld>
+</file>
+
+<file path=ppt/slides/slide11.xml><?xml version="1.0" encoding="utf-8"?>
+<p:sld xmlns:a="http://schemas.openxmlformats.org/drawingml/2006/main" xmlns:r="http://schemas.openxmlformats.org/officeDocument/2006/relationships" xmlns:p="http://schemas.openxmlformats.org/presentationml/2006/main">
+  <p:cSld>
+    <p:spTree>
+      <p:nvGrpSpPr>
+        <p:cNvPr id="1" name=""/>
+        <p:cNvGrpSpPr/>
+        <p:nvPr/>
+      </p:nvGrpSpPr>
+      <p:grpSpPr>
+        <a:xfrm>
+          <a:off x="0" y="0"/>
+          <a:ext cx="0" cy="0"/>
+          <a:chOff x="0" y="0"/>
+          <a:chExt cx="0" cy="0"/>
+        </a:xfrm>
+      </p:grpSpPr>
+      <p:pic>
+        <p:nvPicPr>
+          <p:cNvPr id="2" name="Picture 1">
+            <a:extLst>
+              <a:ext uri="{FF2B5EF4-FFF2-40B4-BE49-F238E27FC236}">
+                <a16:creationId xmlns:a16="http://schemas.microsoft.com/office/drawing/2014/main" id="{01355307-B39A-0C53-80E2-136F412AF4FB}"/>
+              </a:ext>
+            </a:extLst>
+          </p:cNvPr>
+          <p:cNvPicPr>
+            <a:picLocks noChangeAspect="1"/>
+          </p:cNvPicPr>
+          <p:nvPr/>
+        </p:nvPicPr>
+        <p:blipFill>
+          <a:blip r:embed="rId2"/>
+          <a:stretch>
+            <a:fillRect/>
+          </a:stretch>
+        </p:blipFill>
+        <p:spPr>
+          <a:xfrm>
+            <a:off x="1376423" y="579043"/>
+            <a:ext cx="7772400" cy="4871942"/>
+          </a:xfrm>
+          <a:prstGeom prst="rect">
+            <a:avLst/>
+          </a:prstGeom>
+        </p:spPr>
+      </p:pic>
+      <p:sp>
+        <p:nvSpPr>
+          <p:cNvPr id="3" name="TextBox 2">
+            <a:extLst>
+              <a:ext uri="{FF2B5EF4-FFF2-40B4-BE49-F238E27FC236}">
+                <a16:creationId xmlns:a16="http://schemas.microsoft.com/office/drawing/2014/main" id="{A8B20AC4-A791-BEDB-3FE1-152D5F72FB62}"/>
+              </a:ext>
+            </a:extLst>
+          </p:cNvPr>
+          <p:cNvSpPr txBox="1"/>
+          <p:nvPr/>
+        </p:nvSpPr>
+        <p:spPr>
+          <a:xfrm>
+            <a:off x="8516303" y="2020604"/>
+            <a:ext cx="1678329" cy="369332"/>
+          </a:xfrm>
+          <a:prstGeom prst="rect">
+            <a:avLst/>
+          </a:prstGeom>
+          <a:noFill/>
+        </p:spPr>
+        <p:txBody>
+          <a:bodyPr wrap="square" rtlCol="0">
+            <a:spAutoFit/>
+          </a:bodyPr>
+          <a:lstStyle/>
+          <a:p>
+            <a:r>
+              <a:rPr lang="en-US" u="sng" dirty="0"/>
+              <a:t>result</a:t>
+            </a:r>
+            <a:r>
+              <a:rPr lang="en-US" dirty="0"/>
+              <a:t> will be?</a:t>
+            </a:r>
+          </a:p>
+        </p:txBody>
+      </p:sp>
+      <p:sp>
+        <p:nvSpPr>
+          <p:cNvPr id="4" name="TextBox 3">
+            <a:extLst>
+              <a:ext uri="{FF2B5EF4-FFF2-40B4-BE49-F238E27FC236}">
+                <a16:creationId xmlns:a16="http://schemas.microsoft.com/office/drawing/2014/main" id="{D825AC10-AAD5-FF12-8354-7683F93E751F}"/>
+              </a:ext>
+            </a:extLst>
+          </p:cNvPr>
+          <p:cNvSpPr txBox="1"/>
+          <p:nvPr/>
+        </p:nvSpPr>
+        <p:spPr>
+          <a:xfrm>
+            <a:off x="8516303" y="4026267"/>
+            <a:ext cx="1678329" cy="369332"/>
+          </a:xfrm>
+          <a:prstGeom prst="rect">
+            <a:avLst/>
+          </a:prstGeom>
+          <a:noFill/>
+        </p:spPr>
+        <p:txBody>
+          <a:bodyPr wrap="square" rtlCol="0">
+            <a:spAutoFit/>
+          </a:bodyPr>
+          <a:lstStyle/>
+          <a:p>
+            <a:r>
+              <a:rPr lang="en-US" u="sng" dirty="0"/>
+              <a:t>result</a:t>
+            </a:r>
+            <a:r>
+              <a:rPr lang="en-US" dirty="0"/>
+              <a:t> will be?</a:t>
+            </a:r>
+          </a:p>
+        </p:txBody>
+      </p:sp>
+      <p:sp>
+        <p:nvSpPr>
+          <p:cNvPr id="5" name="TextBox 4">
+            <a:extLst>
+              <a:ext uri="{FF2B5EF4-FFF2-40B4-BE49-F238E27FC236}">
+                <a16:creationId xmlns:a16="http://schemas.microsoft.com/office/drawing/2014/main" id="{9CF2448E-AE3D-A04D-DEAC-83B45BD3B61B}"/>
+              </a:ext>
+            </a:extLst>
+          </p:cNvPr>
+          <p:cNvSpPr txBox="1"/>
+          <p:nvPr/>
+        </p:nvSpPr>
+        <p:spPr>
+          <a:xfrm>
+            <a:off x="8516303" y="5694811"/>
+            <a:ext cx="1678329" cy="369332"/>
+          </a:xfrm>
+          <a:prstGeom prst="rect">
+            <a:avLst/>
+          </a:prstGeom>
+          <a:noFill/>
+        </p:spPr>
+        <p:txBody>
+          <a:bodyPr wrap="square" rtlCol="0">
+            <a:spAutoFit/>
+          </a:bodyPr>
+          <a:lstStyle/>
+          <a:p>
+            <a:r>
+              <a:rPr lang="en-US" u="sng" dirty="0"/>
+              <a:t>result</a:t>
+            </a:r>
+            <a:r>
+              <a:rPr lang="en-US" dirty="0"/>
+              <a:t> will be?</a:t>
+            </a:r>
+          </a:p>
+        </p:txBody>
+      </p:sp>
+      <p:cxnSp>
+        <p:nvCxnSpPr>
+          <p:cNvPr id="7" name="Straight Connector 6">
+            <a:extLst>
+              <a:ext uri="{FF2B5EF4-FFF2-40B4-BE49-F238E27FC236}">
+                <a16:creationId xmlns:a16="http://schemas.microsoft.com/office/drawing/2014/main" id="{E22D1A9F-C611-23B1-5A5D-BAADB25CB1D3}"/>
+              </a:ext>
+            </a:extLst>
+          </p:cNvPr>
+          <p:cNvCxnSpPr>
+            <a:cxnSpLocks/>
+            <a:endCxn id="3" idx="1"/>
+          </p:cNvCxnSpPr>
+          <p:nvPr/>
+        </p:nvCxnSpPr>
+        <p:spPr>
+          <a:xfrm flipV="1">
+            <a:off x="7798676" y="2205270"/>
+            <a:ext cx="717627" cy="413136"/>
+          </a:xfrm>
+          <a:prstGeom prst="line">
+            <a:avLst/>
+          </a:prstGeom>
+          <a:ln w="28575"/>
+        </p:spPr>
+        <p:style>
+          <a:lnRef idx="1">
+            <a:schemeClr val="accent1"/>
+          </a:lnRef>
+          <a:fillRef idx="0">
+            <a:schemeClr val="accent1"/>
+          </a:fillRef>
+          <a:effectRef idx="0">
+            <a:schemeClr val="accent1"/>
+          </a:effectRef>
+          <a:fontRef idx="minor">
+            <a:schemeClr val="tx1"/>
+          </a:fontRef>
+        </p:style>
+      </p:cxnSp>
+      <p:cxnSp>
+        <p:nvCxnSpPr>
+          <p:cNvPr id="9" name="Straight Connector 8">
+            <a:extLst>
+              <a:ext uri="{FF2B5EF4-FFF2-40B4-BE49-F238E27FC236}">
+                <a16:creationId xmlns:a16="http://schemas.microsoft.com/office/drawing/2014/main" id="{5B16FA62-F8EB-5CCE-A2D3-01E18C05AF99}"/>
+              </a:ext>
+            </a:extLst>
+          </p:cNvPr>
+          <p:cNvCxnSpPr>
+            <a:cxnSpLocks/>
+            <a:endCxn id="4" idx="1"/>
+          </p:cNvCxnSpPr>
+          <p:nvPr/>
+        </p:nvCxnSpPr>
+        <p:spPr>
+          <a:xfrm flipV="1">
+            <a:off x="7704083" y="4210933"/>
+            <a:ext cx="812220" cy="225720"/>
+          </a:xfrm>
+          <a:prstGeom prst="line">
+            <a:avLst/>
+          </a:prstGeom>
+          <a:ln w="28575"/>
+        </p:spPr>
+        <p:style>
+          <a:lnRef idx="1">
+            <a:schemeClr val="accent1"/>
+          </a:lnRef>
+          <a:fillRef idx="0">
+            <a:schemeClr val="accent1"/>
+          </a:fillRef>
+          <a:effectRef idx="0">
+            <a:schemeClr val="accent1"/>
+          </a:effectRef>
+          <a:fontRef idx="minor">
+            <a:schemeClr val="tx1"/>
+          </a:fontRef>
+        </p:style>
+      </p:cxnSp>
+      <p:cxnSp>
+        <p:nvCxnSpPr>
+          <p:cNvPr id="11" name="Straight Connector 10">
+            <a:extLst>
+              <a:ext uri="{FF2B5EF4-FFF2-40B4-BE49-F238E27FC236}">
+                <a16:creationId xmlns:a16="http://schemas.microsoft.com/office/drawing/2014/main" id="{7F891C00-CB08-EEB3-CCFC-267A418ACA19}"/>
+              </a:ext>
+            </a:extLst>
+          </p:cNvPr>
+          <p:cNvCxnSpPr>
+            <a:cxnSpLocks/>
+            <a:endCxn id="5" idx="1"/>
+          </p:cNvCxnSpPr>
+          <p:nvPr/>
+        </p:nvCxnSpPr>
+        <p:spPr>
+          <a:xfrm>
+            <a:off x="7220607" y="4930821"/>
+            <a:ext cx="1295696" cy="948656"/>
+          </a:xfrm>
+          <a:prstGeom prst="line">
+            <a:avLst/>
+          </a:prstGeom>
+          <a:ln w="28575"/>
+        </p:spPr>
+        <p:style>
+          <a:lnRef idx="1">
+            <a:schemeClr val="accent1"/>
+          </a:lnRef>
+          <a:fillRef idx="0">
+            <a:schemeClr val="accent1"/>
+          </a:fillRef>
+          <a:effectRef idx="0">
+            <a:schemeClr val="accent1"/>
+          </a:effectRef>
+          <a:fontRef idx="minor">
+            <a:schemeClr val="tx1"/>
+          </a:fontRef>
+        </p:style>
+      </p:cxnSp>
+      <p:pic>
+        <p:nvPicPr>
+          <p:cNvPr id="6" name="Picture 5">
+            <a:extLst>
+              <a:ext uri="{FF2B5EF4-FFF2-40B4-BE49-F238E27FC236}">
+                <a16:creationId xmlns:a16="http://schemas.microsoft.com/office/drawing/2014/main" id="{71F30E0D-70A8-CD17-3613-C0B996EF2838}"/>
+              </a:ext>
+            </a:extLst>
+          </p:cNvPr>
+          <p:cNvPicPr>
+            <a:picLocks noChangeAspect="1"/>
+          </p:cNvPicPr>
+          <p:nvPr/>
+        </p:nvPicPr>
+        <p:blipFill>
+          <a:blip r:embed="rId3"/>
+          <a:stretch>
+            <a:fillRect/>
+          </a:stretch>
+        </p:blipFill>
+        <p:spPr>
+          <a:xfrm>
+            <a:off x="3262535" y="2362196"/>
+            <a:ext cx="2095500" cy="355600"/>
+          </a:xfrm>
+          <a:prstGeom prst="rect">
+            <a:avLst/>
+          </a:prstGeom>
+        </p:spPr>
+      </p:pic>
+    </p:spTree>
+    <p:extLst>
+      <p:ext uri="{BB962C8B-B14F-4D97-AF65-F5344CB8AC3E}">
+        <p14:creationId xmlns:p14="http://schemas.microsoft.com/office/powerpoint/2010/main" val="684187631"/>
+      </p:ext>
+    </p:extLst>
+  </p:cSld>
+  <p:clrMapOvr>
+    <a:masterClrMapping/>
+  </p:clrMapOvr>
+</p:sld>
+</file>
+
+<file path=ppt/slides/slide12.xml><?xml version="1.0" encoding="utf-8"?>
 <p:sld xmlns:a="http://schemas.openxmlformats.org/drawingml/2006/main" xmlns:r="http://schemas.openxmlformats.org/officeDocument/2006/relationships" xmlns:p="http://schemas.openxmlformats.org/presentationml/2006/main">
   <p:cSld>
     <p:spTree>
@@ -3486,7 +5074,7 @@
 </p:sld>
 </file>
 
-<file path=ppt/slides/slide11.xml><?xml version="1.0" encoding="utf-8"?>
+<file path=ppt/slides/slide13.xml><?xml version="1.0" encoding="utf-8"?>
 <p:sld xmlns:a="http://schemas.openxmlformats.org/drawingml/2006/main" xmlns:r="http://schemas.openxmlformats.org/officeDocument/2006/relationships" xmlns:p="http://schemas.openxmlformats.org/presentationml/2006/main">
   <p:cSld>
     <p:spTree>
@@ -3516,7 +5104,7 @@
 </p:sld>
 </file>
 
-<file path=ppt/slides/slide12.xml><?xml version="1.0" encoding="utf-8"?>
+<file path=ppt/slides/slide14.xml><?xml version="1.0" encoding="utf-8"?>
 <p:sld xmlns:a="http://schemas.openxmlformats.org/drawingml/2006/main" xmlns:r="http://schemas.openxmlformats.org/officeDocument/2006/relationships" xmlns:p="http://schemas.openxmlformats.org/presentationml/2006/main">
   <p:cSld>
     <p:spTree>
@@ -5881,7 +7469,13 @@
   <p:cSld>
     <p:spTree>
       <p:nvGrpSpPr>
-        <p:cNvPr id="1" name=""/>
+        <p:cNvPr id="1" name="">
+          <a:extLst>
+            <a:ext uri="{FF2B5EF4-FFF2-40B4-BE49-F238E27FC236}">
+              <a16:creationId xmlns:a16="http://schemas.microsoft.com/office/drawing/2014/main" id="{ABCE5496-FF68-8BC1-EB87-E67F4A0E0185}"/>
+            </a:ext>
+          </a:extLst>
+        </p:cNvPr>
         <p:cNvGrpSpPr/>
         <p:nvPr/>
       </p:nvGrpSpPr>
@@ -5895,10 +7489,10 @@
       </p:grpSpPr>
       <p:pic>
         <p:nvPicPr>
-          <p:cNvPr id="2" name="Picture 1">
-            <a:extLst>
-              <a:ext uri="{FF2B5EF4-FFF2-40B4-BE49-F238E27FC236}">
-                <a16:creationId xmlns:a16="http://schemas.microsoft.com/office/drawing/2014/main" id="{0ADDDF37-08EE-F38F-C857-9DF6A64B3B5C}"/>
+          <p:cNvPr id="3" name="Picture 2">
+            <a:extLst>
+              <a:ext uri="{FF2B5EF4-FFF2-40B4-BE49-F238E27FC236}">
+                <a16:creationId xmlns:a16="http://schemas.microsoft.com/office/drawing/2014/main" id="{59C984C3-8662-96F8-2599-68CA50BBE7A0}"/>
               </a:ext>
             </a:extLst>
           </p:cNvPr>
@@ -5915,8 +7509,8 @@
         </p:blipFill>
         <p:spPr>
           <a:xfrm>
-            <a:off x="867137" y="535480"/>
-            <a:ext cx="7772400" cy="4777336"/>
+            <a:off x="2293554" y="1305766"/>
+            <a:ext cx="7604891" cy="4246468"/>
           </a:xfrm>
           <a:prstGeom prst="rect">
             <a:avLst/>
@@ -5925,10 +7519,10 @@
       </p:pic>
       <p:sp>
         <p:nvSpPr>
-          <p:cNvPr id="3" name="TextBox 2">
-            <a:extLst>
-              <a:ext uri="{FF2B5EF4-FFF2-40B4-BE49-F238E27FC236}">
-                <a16:creationId xmlns:a16="http://schemas.microsoft.com/office/drawing/2014/main" id="{A8B20AC4-A791-BEDB-3FE1-152D5F72FB62}"/>
+          <p:cNvPr id="2" name="TextBox 1">
+            <a:extLst>
+              <a:ext uri="{FF2B5EF4-FFF2-40B4-BE49-F238E27FC236}">
+                <a16:creationId xmlns:a16="http://schemas.microsoft.com/office/drawing/2014/main" id="{39AB4814-F64A-C7F2-156B-099B2C18FAFD}"/>
               </a:ext>
             </a:extLst>
           </p:cNvPr>
@@ -5937,8 +7531,8 @@
         </p:nvSpPr>
         <p:spPr>
           <a:xfrm>
-            <a:off x="8516303" y="2020604"/>
-            <a:ext cx="1678329" cy="369332"/>
+            <a:off x="273269" y="746234"/>
+            <a:ext cx="4635062" cy="830997"/>
           </a:xfrm>
           <a:prstGeom prst="rect">
             <a:avLst/>
@@ -5952,248 +7546,1134 @@
           <a:lstStyle/>
           <a:p>
             <a:r>
-              <a:rPr lang="en-US" u="sng" dirty="0"/>
-              <a:t>result</a:t>
-            </a:r>
-            <a:r>
-              <a:rPr lang="en-US" dirty="0"/>
-              <a:t> will be?</a:t>
+              <a:rPr lang="en-US" sz="2400" dirty="0">
+                <a:solidFill>
+                  <a:srgbClr val="FF0000"/>
+                </a:solidFill>
+              </a:rPr>
+              <a:t>L1, L2, I4 etc. are the</a:t>
+            </a:r>
+          </a:p>
+          <a:p>
+            <a:r>
+              <a:rPr lang="en-US" sz="2400" dirty="0">
+                <a:solidFill>
+                  <a:srgbClr val="FF0000"/>
+                </a:solidFill>
+              </a:rPr>
+              <a:t>NAMES OF THE CONSTANTS</a:t>
             </a:r>
           </a:p>
         </p:txBody>
       </p:sp>
-      <p:sp>
-        <p:nvSpPr>
-          <p:cNvPr id="4" name="TextBox 3">
-            <a:extLst>
-              <a:ext uri="{FF2B5EF4-FFF2-40B4-BE49-F238E27FC236}">
-                <a16:creationId xmlns:a16="http://schemas.microsoft.com/office/drawing/2014/main" id="{D825AC10-AAD5-FF12-8354-7683F93E751F}"/>
-              </a:ext>
-            </a:extLst>
-          </p:cNvPr>
-          <p:cNvSpPr txBox="1"/>
+      <p:grpSp>
+        <p:nvGrpSpPr>
+          <p:cNvPr id="6" name="Group 5">
+            <a:extLst>
+              <a:ext uri="{FF2B5EF4-FFF2-40B4-BE49-F238E27FC236}">
+                <a16:creationId xmlns:a16="http://schemas.microsoft.com/office/drawing/2014/main" id="{D0D8DA81-D8D8-359D-FCE9-5B340F4F13EE}"/>
+              </a:ext>
+            </a:extLst>
+          </p:cNvPr>
+          <p:cNvGrpSpPr/>
           <p:nvPr/>
-        </p:nvSpPr>
-        <p:spPr>
+        </p:nvGrpSpPr>
+        <p:grpSpPr>
           <a:xfrm>
-            <a:off x="8516303" y="4026267"/>
-            <a:ext cx="1678329" cy="369332"/>
-          </a:xfrm>
-          <a:prstGeom prst="rect">
-            <a:avLst/>
-          </a:prstGeom>
-          <a:noFill/>
-        </p:spPr>
-        <p:txBody>
-          <a:bodyPr wrap="square" rtlCol="0">
-            <a:spAutoFit/>
-          </a:bodyPr>
-          <a:lstStyle/>
-          <a:p>
-            <a:r>
-              <a:rPr lang="en-US" u="sng" dirty="0"/>
-              <a:t>result</a:t>
-            </a:r>
-            <a:r>
-              <a:rPr lang="en-US" dirty="0"/>
-              <a:t> will be?</a:t>
-            </a:r>
-          </a:p>
-        </p:txBody>
-      </p:sp>
-      <p:sp>
-        <p:nvSpPr>
-          <p:cNvPr id="5" name="TextBox 4">
-            <a:extLst>
-              <a:ext uri="{FF2B5EF4-FFF2-40B4-BE49-F238E27FC236}">
-                <a16:creationId xmlns:a16="http://schemas.microsoft.com/office/drawing/2014/main" id="{9CF2448E-AE3D-A04D-DEAC-83B45BD3B61B}"/>
-              </a:ext>
-            </a:extLst>
-          </p:cNvPr>
-          <p:cNvSpPr txBox="1"/>
+            <a:off x="2590800" y="4712262"/>
+            <a:ext cx="642280" cy="646331"/>
+            <a:chOff x="1008994" y="3272345"/>
+            <a:chExt cx="642280" cy="646331"/>
+          </a:xfrm>
+        </p:grpSpPr>
+        <p:sp>
+          <p:nvSpPr>
+            <p:cNvPr id="5" name="Rectangle 4">
+              <a:extLst>
+                <a:ext uri="{FF2B5EF4-FFF2-40B4-BE49-F238E27FC236}">
+                  <a16:creationId xmlns:a16="http://schemas.microsoft.com/office/drawing/2014/main" id="{9B5F4035-04FD-E253-A84A-C67C943CC8F7}"/>
+                </a:ext>
+              </a:extLst>
+            </p:cNvPr>
+            <p:cNvSpPr/>
+            <p:nvPr/>
+          </p:nvSpPr>
+          <p:spPr>
+            <a:xfrm>
+              <a:off x="1031164" y="3385303"/>
+              <a:ext cx="620110" cy="420413"/>
+            </a:xfrm>
+            <a:prstGeom prst="rect">
+              <a:avLst/>
+            </a:prstGeom>
+            <a:solidFill>
+              <a:schemeClr val="bg1"/>
+            </a:solidFill>
+            <a:ln>
+              <a:solidFill>
+                <a:schemeClr val="bg1"/>
+              </a:solidFill>
+            </a:ln>
+          </p:spPr>
+          <p:style>
+            <a:lnRef idx="2">
+              <a:schemeClr val="accent1">
+                <a:shade val="15000"/>
+              </a:schemeClr>
+            </a:lnRef>
+            <a:fillRef idx="1">
+              <a:schemeClr val="accent1"/>
+            </a:fillRef>
+            <a:effectRef idx="0">
+              <a:schemeClr val="accent1"/>
+            </a:effectRef>
+            <a:fontRef idx="minor">
+              <a:schemeClr val="lt1"/>
+            </a:fontRef>
+          </p:style>
+          <p:txBody>
+            <a:bodyPr rtlCol="0" anchor="ctr"/>
+            <a:lstStyle/>
+            <a:p>
+              <a:pPr algn="ctr"/>
+              <a:endParaRPr lang="en-US"/>
+            </a:p>
+          </p:txBody>
+        </p:sp>
+        <p:sp>
+          <p:nvSpPr>
+            <p:cNvPr id="4" name="TextBox 3">
+              <a:extLst>
+                <a:ext uri="{FF2B5EF4-FFF2-40B4-BE49-F238E27FC236}">
+                  <a16:creationId xmlns:a16="http://schemas.microsoft.com/office/drawing/2014/main" id="{5110FB18-A71F-FDD9-5859-B87DA43833F1}"/>
+                </a:ext>
+              </a:extLst>
+            </p:cNvPr>
+            <p:cNvSpPr txBox="1"/>
+            <p:nvPr/>
+          </p:nvSpPr>
+          <p:spPr>
+            <a:xfrm>
+              <a:off x="1008994" y="3272345"/>
+              <a:ext cx="620110" cy="646331"/>
+            </a:xfrm>
+            <a:prstGeom prst="rect">
+              <a:avLst/>
+            </a:prstGeom>
+            <a:noFill/>
+          </p:spPr>
+          <p:txBody>
+            <a:bodyPr wrap="square" rtlCol="0">
+              <a:spAutoFit/>
+            </a:bodyPr>
+            <a:lstStyle/>
+            <a:p>
+              <a:r>
+                <a:rPr lang="en-US" sz="3600" dirty="0"/>
+                <a:t>L1</a:t>
+              </a:r>
+            </a:p>
+          </p:txBody>
+        </p:sp>
+      </p:grpSp>
+      <p:grpSp>
+        <p:nvGrpSpPr>
+          <p:cNvPr id="7" name="Group 6">
+            <a:extLst>
+              <a:ext uri="{FF2B5EF4-FFF2-40B4-BE49-F238E27FC236}">
+                <a16:creationId xmlns:a16="http://schemas.microsoft.com/office/drawing/2014/main" id="{0DD34E53-45A2-0338-3A55-723BCD1B8B31}"/>
+              </a:ext>
+            </a:extLst>
+          </p:cNvPr>
+          <p:cNvGrpSpPr/>
           <p:nvPr/>
-        </p:nvSpPr>
-        <p:spPr>
+        </p:nvGrpSpPr>
+        <p:grpSpPr>
           <a:xfrm>
-            <a:off x="8516303" y="5694811"/>
-            <a:ext cx="1678329" cy="369332"/>
-          </a:xfrm>
-          <a:prstGeom prst="rect">
-            <a:avLst/>
-          </a:prstGeom>
-          <a:noFill/>
-        </p:spPr>
-        <p:txBody>
-          <a:bodyPr wrap="square" rtlCol="0">
-            <a:spAutoFit/>
-          </a:bodyPr>
-          <a:lstStyle/>
-          <a:p>
-            <a:r>
-              <a:rPr lang="en-US" u="sng" dirty="0"/>
-              <a:t>result</a:t>
-            </a:r>
-            <a:r>
-              <a:rPr lang="en-US" dirty="0"/>
-              <a:t> will be?</a:t>
-            </a:r>
-          </a:p>
-        </p:txBody>
-      </p:sp>
-      <p:cxnSp>
-        <p:nvCxnSpPr>
-          <p:cNvPr id="7" name="Straight Connector 6">
-            <a:extLst>
-              <a:ext uri="{FF2B5EF4-FFF2-40B4-BE49-F238E27FC236}">
-                <a16:creationId xmlns:a16="http://schemas.microsoft.com/office/drawing/2014/main" id="{E22D1A9F-C611-23B1-5A5D-BAADB25CB1D3}"/>
-              </a:ext>
-            </a:extLst>
-          </p:cNvPr>
-          <p:cNvCxnSpPr>
-            <a:cxnSpLocks/>
-            <a:endCxn id="3" idx="1"/>
-          </p:cNvCxnSpPr>
+            <a:off x="3836275" y="4712262"/>
+            <a:ext cx="642280" cy="646331"/>
+            <a:chOff x="1008994" y="3272345"/>
+            <a:chExt cx="642280" cy="646331"/>
+          </a:xfrm>
+        </p:grpSpPr>
+        <p:sp>
+          <p:nvSpPr>
+            <p:cNvPr id="8" name="Rectangle 7">
+              <a:extLst>
+                <a:ext uri="{FF2B5EF4-FFF2-40B4-BE49-F238E27FC236}">
+                  <a16:creationId xmlns:a16="http://schemas.microsoft.com/office/drawing/2014/main" id="{55F1C63D-6D6E-86FD-E5D9-813AE85DFDE3}"/>
+                </a:ext>
+              </a:extLst>
+            </p:cNvPr>
+            <p:cNvSpPr/>
+            <p:nvPr/>
+          </p:nvSpPr>
+          <p:spPr>
+            <a:xfrm>
+              <a:off x="1031164" y="3385303"/>
+              <a:ext cx="620110" cy="420413"/>
+            </a:xfrm>
+            <a:prstGeom prst="rect">
+              <a:avLst/>
+            </a:prstGeom>
+            <a:solidFill>
+              <a:schemeClr val="bg1"/>
+            </a:solidFill>
+            <a:ln>
+              <a:solidFill>
+                <a:schemeClr val="bg1"/>
+              </a:solidFill>
+            </a:ln>
+          </p:spPr>
+          <p:style>
+            <a:lnRef idx="2">
+              <a:schemeClr val="accent1">
+                <a:shade val="15000"/>
+              </a:schemeClr>
+            </a:lnRef>
+            <a:fillRef idx="1">
+              <a:schemeClr val="accent1"/>
+            </a:fillRef>
+            <a:effectRef idx="0">
+              <a:schemeClr val="accent1"/>
+            </a:effectRef>
+            <a:fontRef idx="minor">
+              <a:schemeClr val="lt1"/>
+            </a:fontRef>
+          </p:style>
+          <p:txBody>
+            <a:bodyPr rtlCol="0" anchor="ctr"/>
+            <a:lstStyle/>
+            <a:p>
+              <a:pPr algn="ctr"/>
+              <a:endParaRPr lang="en-US"/>
+            </a:p>
+          </p:txBody>
+        </p:sp>
+        <p:sp>
+          <p:nvSpPr>
+            <p:cNvPr id="9" name="TextBox 8">
+              <a:extLst>
+                <a:ext uri="{FF2B5EF4-FFF2-40B4-BE49-F238E27FC236}">
+                  <a16:creationId xmlns:a16="http://schemas.microsoft.com/office/drawing/2014/main" id="{27D5DD48-7C7B-3E6C-1109-95FDD20AE979}"/>
+                </a:ext>
+              </a:extLst>
+            </p:cNvPr>
+            <p:cNvSpPr txBox="1"/>
+            <p:nvPr/>
+          </p:nvSpPr>
+          <p:spPr>
+            <a:xfrm>
+              <a:off x="1008994" y="3272345"/>
+              <a:ext cx="620110" cy="646331"/>
+            </a:xfrm>
+            <a:prstGeom prst="rect">
+              <a:avLst/>
+            </a:prstGeom>
+            <a:noFill/>
+          </p:spPr>
+          <p:txBody>
+            <a:bodyPr wrap="square" rtlCol="0">
+              <a:spAutoFit/>
+            </a:bodyPr>
+            <a:lstStyle/>
+            <a:p>
+              <a:r>
+                <a:rPr lang="en-US" sz="3600" dirty="0"/>
+                <a:t>L2</a:t>
+              </a:r>
+            </a:p>
+          </p:txBody>
+        </p:sp>
+      </p:grpSp>
+      <p:grpSp>
+        <p:nvGrpSpPr>
+          <p:cNvPr id="10" name="Group 9">
+            <a:extLst>
+              <a:ext uri="{FF2B5EF4-FFF2-40B4-BE49-F238E27FC236}">
+                <a16:creationId xmlns:a16="http://schemas.microsoft.com/office/drawing/2014/main" id="{B1538879-7D89-B458-882C-73535F034893}"/>
+              </a:ext>
+            </a:extLst>
+          </p:cNvPr>
+          <p:cNvGrpSpPr/>
           <p:nvPr/>
-        </p:nvCxnSpPr>
-        <p:spPr>
-          <a:xfrm flipV="1">
-            <a:off x="7798676" y="2205270"/>
-            <a:ext cx="717627" cy="413136"/>
-          </a:xfrm>
-          <a:prstGeom prst="line">
-            <a:avLst/>
-          </a:prstGeom>
-          <a:ln w="28575"/>
-        </p:spPr>
-        <p:style>
-          <a:lnRef idx="1">
-            <a:schemeClr val="accent1"/>
-          </a:lnRef>
-          <a:fillRef idx="0">
-            <a:schemeClr val="accent1"/>
-          </a:fillRef>
-          <a:effectRef idx="0">
-            <a:schemeClr val="accent1"/>
-          </a:effectRef>
-          <a:fontRef idx="minor">
-            <a:schemeClr val="tx1"/>
-          </a:fontRef>
-        </p:style>
-      </p:cxnSp>
-      <p:cxnSp>
-        <p:nvCxnSpPr>
-          <p:cNvPr id="9" name="Straight Connector 8">
-            <a:extLst>
-              <a:ext uri="{FF2B5EF4-FFF2-40B4-BE49-F238E27FC236}">
-                <a16:creationId xmlns:a16="http://schemas.microsoft.com/office/drawing/2014/main" id="{5B16FA62-F8EB-5CCE-A2D3-01E18C05AF99}"/>
-              </a:ext>
-            </a:extLst>
-          </p:cNvPr>
-          <p:cNvCxnSpPr>
-            <a:cxnSpLocks/>
-            <a:endCxn id="4" idx="1"/>
-          </p:cNvCxnSpPr>
+        </p:nvGrpSpPr>
+        <p:grpSpPr>
+          <a:xfrm>
+            <a:off x="5077644" y="4712262"/>
+            <a:ext cx="642280" cy="646331"/>
+            <a:chOff x="1008994" y="3272345"/>
+            <a:chExt cx="642280" cy="646331"/>
+          </a:xfrm>
+        </p:grpSpPr>
+        <p:sp>
+          <p:nvSpPr>
+            <p:cNvPr id="11" name="Rectangle 10">
+              <a:extLst>
+                <a:ext uri="{FF2B5EF4-FFF2-40B4-BE49-F238E27FC236}">
+                  <a16:creationId xmlns:a16="http://schemas.microsoft.com/office/drawing/2014/main" id="{C975496D-813A-DC21-DD6D-59A40ED453FA}"/>
+                </a:ext>
+              </a:extLst>
+            </p:cNvPr>
+            <p:cNvSpPr/>
+            <p:nvPr/>
+          </p:nvSpPr>
+          <p:spPr>
+            <a:xfrm>
+              <a:off x="1031164" y="3385303"/>
+              <a:ext cx="620110" cy="420413"/>
+            </a:xfrm>
+            <a:prstGeom prst="rect">
+              <a:avLst/>
+            </a:prstGeom>
+            <a:solidFill>
+              <a:schemeClr val="bg1"/>
+            </a:solidFill>
+            <a:ln>
+              <a:solidFill>
+                <a:schemeClr val="bg1"/>
+              </a:solidFill>
+            </a:ln>
+          </p:spPr>
+          <p:style>
+            <a:lnRef idx="2">
+              <a:schemeClr val="accent1">
+                <a:shade val="15000"/>
+              </a:schemeClr>
+            </a:lnRef>
+            <a:fillRef idx="1">
+              <a:schemeClr val="accent1"/>
+            </a:fillRef>
+            <a:effectRef idx="0">
+              <a:schemeClr val="accent1"/>
+            </a:effectRef>
+            <a:fontRef idx="minor">
+              <a:schemeClr val="lt1"/>
+            </a:fontRef>
+          </p:style>
+          <p:txBody>
+            <a:bodyPr rtlCol="0" anchor="ctr"/>
+            <a:lstStyle/>
+            <a:p>
+              <a:pPr algn="ctr"/>
+              <a:endParaRPr lang="en-US"/>
+            </a:p>
+          </p:txBody>
+        </p:sp>
+        <p:sp>
+          <p:nvSpPr>
+            <p:cNvPr id="12" name="TextBox 11">
+              <a:extLst>
+                <a:ext uri="{FF2B5EF4-FFF2-40B4-BE49-F238E27FC236}">
+                  <a16:creationId xmlns:a16="http://schemas.microsoft.com/office/drawing/2014/main" id="{52E3E071-2BCC-3E56-0C7A-408679685E92}"/>
+                </a:ext>
+              </a:extLst>
+            </p:cNvPr>
+            <p:cNvSpPr txBox="1"/>
+            <p:nvPr/>
+          </p:nvSpPr>
+          <p:spPr>
+            <a:xfrm>
+              <a:off x="1008994" y="3272345"/>
+              <a:ext cx="620110" cy="646331"/>
+            </a:xfrm>
+            <a:prstGeom prst="rect">
+              <a:avLst/>
+            </a:prstGeom>
+            <a:noFill/>
+          </p:spPr>
+          <p:txBody>
+            <a:bodyPr wrap="square" rtlCol="0">
+              <a:spAutoFit/>
+            </a:bodyPr>
+            <a:lstStyle/>
+            <a:p>
+              <a:r>
+                <a:rPr lang="en-US" sz="3600" dirty="0"/>
+                <a:t>L3</a:t>
+              </a:r>
+            </a:p>
+          </p:txBody>
+        </p:sp>
+      </p:grpSp>
+      <p:grpSp>
+        <p:nvGrpSpPr>
+          <p:cNvPr id="13" name="Group 12">
+            <a:extLst>
+              <a:ext uri="{FF2B5EF4-FFF2-40B4-BE49-F238E27FC236}">
+                <a16:creationId xmlns:a16="http://schemas.microsoft.com/office/drawing/2014/main" id="{F8FF36C5-B79F-DA2D-5F88-EEE95E4C91D5}"/>
+              </a:ext>
+            </a:extLst>
+          </p:cNvPr>
+          <p:cNvGrpSpPr/>
           <p:nvPr/>
-        </p:nvCxnSpPr>
-        <p:spPr>
-          <a:xfrm flipV="1">
-            <a:off x="7704083" y="4210933"/>
-            <a:ext cx="812220" cy="225720"/>
-          </a:xfrm>
-          <a:prstGeom prst="line">
-            <a:avLst/>
-          </a:prstGeom>
-          <a:ln w="28575"/>
-        </p:spPr>
-        <p:style>
-          <a:lnRef idx="1">
-            <a:schemeClr val="accent1"/>
-          </a:lnRef>
-          <a:fillRef idx="0">
-            <a:schemeClr val="accent1"/>
-          </a:fillRef>
-          <a:effectRef idx="0">
-            <a:schemeClr val="accent1"/>
-          </a:effectRef>
-          <a:fontRef idx="minor">
-            <a:schemeClr val="tx1"/>
-          </a:fontRef>
-        </p:style>
-      </p:cxnSp>
-      <p:cxnSp>
-        <p:nvCxnSpPr>
-          <p:cNvPr id="11" name="Straight Connector 10">
-            <a:extLst>
-              <a:ext uri="{FF2B5EF4-FFF2-40B4-BE49-F238E27FC236}">
-                <a16:creationId xmlns:a16="http://schemas.microsoft.com/office/drawing/2014/main" id="{7F891C00-CB08-EEB3-CCFC-267A418ACA19}"/>
-              </a:ext>
-            </a:extLst>
-          </p:cNvPr>
-          <p:cNvCxnSpPr>
-            <a:cxnSpLocks/>
-            <a:endCxn id="5" idx="1"/>
-          </p:cNvCxnSpPr>
+        </p:nvGrpSpPr>
+        <p:grpSpPr>
+          <a:xfrm>
+            <a:off x="6421821" y="3613931"/>
+            <a:ext cx="642280" cy="646331"/>
+            <a:chOff x="1008994" y="3272345"/>
+            <a:chExt cx="642280" cy="646331"/>
+          </a:xfrm>
+        </p:grpSpPr>
+        <p:sp>
+          <p:nvSpPr>
+            <p:cNvPr id="14" name="Rectangle 13">
+              <a:extLst>
+                <a:ext uri="{FF2B5EF4-FFF2-40B4-BE49-F238E27FC236}">
+                  <a16:creationId xmlns:a16="http://schemas.microsoft.com/office/drawing/2014/main" id="{75CE4704-C700-6D71-4FD9-67F3F94B6D77}"/>
+                </a:ext>
+              </a:extLst>
+            </p:cNvPr>
+            <p:cNvSpPr/>
+            <p:nvPr/>
+          </p:nvSpPr>
+          <p:spPr>
+            <a:xfrm>
+              <a:off x="1031164" y="3385303"/>
+              <a:ext cx="620110" cy="420413"/>
+            </a:xfrm>
+            <a:prstGeom prst="rect">
+              <a:avLst/>
+            </a:prstGeom>
+            <a:solidFill>
+              <a:schemeClr val="bg1"/>
+            </a:solidFill>
+            <a:ln>
+              <a:solidFill>
+                <a:schemeClr val="bg1"/>
+              </a:solidFill>
+            </a:ln>
+          </p:spPr>
+          <p:style>
+            <a:lnRef idx="2">
+              <a:schemeClr val="accent1">
+                <a:shade val="15000"/>
+              </a:schemeClr>
+            </a:lnRef>
+            <a:fillRef idx="1">
+              <a:schemeClr val="accent1"/>
+            </a:fillRef>
+            <a:effectRef idx="0">
+              <a:schemeClr val="accent1"/>
+            </a:effectRef>
+            <a:fontRef idx="minor">
+              <a:schemeClr val="lt1"/>
+            </a:fontRef>
+          </p:style>
+          <p:txBody>
+            <a:bodyPr rtlCol="0" anchor="ctr"/>
+            <a:lstStyle/>
+            <a:p>
+              <a:pPr algn="ctr"/>
+              <a:endParaRPr lang="en-US"/>
+            </a:p>
+          </p:txBody>
+        </p:sp>
+        <p:sp>
+          <p:nvSpPr>
+            <p:cNvPr id="15" name="TextBox 14">
+              <a:extLst>
+                <a:ext uri="{FF2B5EF4-FFF2-40B4-BE49-F238E27FC236}">
+                  <a16:creationId xmlns:a16="http://schemas.microsoft.com/office/drawing/2014/main" id="{FB17DF58-9356-4B35-85D2-27C7DFEB487C}"/>
+                </a:ext>
+              </a:extLst>
+            </p:cNvPr>
+            <p:cNvSpPr txBox="1"/>
+            <p:nvPr/>
+          </p:nvSpPr>
+          <p:spPr>
+            <a:xfrm>
+              <a:off x="1008994" y="3272345"/>
+              <a:ext cx="620110" cy="646331"/>
+            </a:xfrm>
+            <a:prstGeom prst="rect">
+              <a:avLst/>
+            </a:prstGeom>
+            <a:noFill/>
+          </p:spPr>
+          <p:txBody>
+            <a:bodyPr wrap="square" rtlCol="0">
+              <a:spAutoFit/>
+            </a:bodyPr>
+            <a:lstStyle/>
+            <a:p>
+              <a:r>
+                <a:rPr lang="en-US" sz="3600" dirty="0"/>
+                <a:t>L4</a:t>
+              </a:r>
+            </a:p>
+          </p:txBody>
+        </p:sp>
+      </p:grpSp>
+      <p:grpSp>
+        <p:nvGrpSpPr>
+          <p:cNvPr id="16" name="Group 15">
+            <a:extLst>
+              <a:ext uri="{FF2B5EF4-FFF2-40B4-BE49-F238E27FC236}">
+                <a16:creationId xmlns:a16="http://schemas.microsoft.com/office/drawing/2014/main" id="{1C91B218-A500-5A3A-BD18-3FB58476887A}"/>
+              </a:ext>
+            </a:extLst>
+          </p:cNvPr>
+          <p:cNvGrpSpPr/>
           <p:nvPr/>
-        </p:nvCxnSpPr>
-        <p:spPr>
+        </p:nvGrpSpPr>
+        <p:grpSpPr>
           <a:xfrm>
-            <a:off x="7220607" y="4930821"/>
-            <a:ext cx="1295696" cy="948656"/>
-          </a:xfrm>
-          <a:prstGeom prst="line">
-            <a:avLst/>
-          </a:prstGeom>
-          <a:ln w="28575"/>
-        </p:spPr>
-        <p:style>
-          <a:lnRef idx="1">
-            <a:schemeClr val="accent1"/>
-          </a:lnRef>
-          <a:fillRef idx="0">
-            <a:schemeClr val="accent1"/>
-          </a:fillRef>
-          <a:effectRef idx="0">
-            <a:schemeClr val="accent1"/>
-          </a:effectRef>
-          <a:fontRef idx="minor">
-            <a:schemeClr val="tx1"/>
-          </a:fontRef>
-        </p:style>
-      </p:cxnSp>
-      <p:pic>
-        <p:nvPicPr>
-          <p:cNvPr id="12" name="Picture 11">
-            <a:extLst>
-              <a:ext uri="{FF2B5EF4-FFF2-40B4-BE49-F238E27FC236}">
-                <a16:creationId xmlns:a16="http://schemas.microsoft.com/office/drawing/2014/main" id="{3E4117B4-E9E3-87BD-EEB5-6F2C259A784A}"/>
-              </a:ext>
-            </a:extLst>
-          </p:cNvPr>
-          <p:cNvPicPr>
-            <a:picLocks noChangeAspect="1"/>
-          </p:cNvPicPr>
+            <a:off x="7698828" y="3613931"/>
+            <a:ext cx="642280" cy="646331"/>
+            <a:chOff x="1008994" y="3272345"/>
+            <a:chExt cx="642280" cy="646331"/>
+          </a:xfrm>
+        </p:grpSpPr>
+        <p:sp>
+          <p:nvSpPr>
+            <p:cNvPr id="17" name="Rectangle 16">
+              <a:extLst>
+                <a:ext uri="{FF2B5EF4-FFF2-40B4-BE49-F238E27FC236}">
+                  <a16:creationId xmlns:a16="http://schemas.microsoft.com/office/drawing/2014/main" id="{80DB4DAE-7802-21C4-87A7-9BDE697965D5}"/>
+                </a:ext>
+              </a:extLst>
+            </p:cNvPr>
+            <p:cNvSpPr/>
+            <p:nvPr/>
+          </p:nvSpPr>
+          <p:spPr>
+            <a:xfrm>
+              <a:off x="1031164" y="3385303"/>
+              <a:ext cx="620110" cy="420413"/>
+            </a:xfrm>
+            <a:prstGeom prst="rect">
+              <a:avLst/>
+            </a:prstGeom>
+            <a:solidFill>
+              <a:schemeClr val="bg1"/>
+            </a:solidFill>
+            <a:ln>
+              <a:solidFill>
+                <a:schemeClr val="bg1"/>
+              </a:solidFill>
+            </a:ln>
+          </p:spPr>
+          <p:style>
+            <a:lnRef idx="2">
+              <a:schemeClr val="accent1">
+                <a:shade val="15000"/>
+              </a:schemeClr>
+            </a:lnRef>
+            <a:fillRef idx="1">
+              <a:schemeClr val="accent1"/>
+            </a:fillRef>
+            <a:effectRef idx="0">
+              <a:schemeClr val="accent1"/>
+            </a:effectRef>
+            <a:fontRef idx="minor">
+              <a:schemeClr val="lt1"/>
+            </a:fontRef>
+          </p:style>
+          <p:txBody>
+            <a:bodyPr rtlCol="0" anchor="ctr"/>
+            <a:lstStyle/>
+            <a:p>
+              <a:pPr algn="ctr"/>
+              <a:endParaRPr lang="en-US"/>
+            </a:p>
+          </p:txBody>
+        </p:sp>
+        <p:sp>
+          <p:nvSpPr>
+            <p:cNvPr id="18" name="TextBox 17">
+              <a:extLst>
+                <a:ext uri="{FF2B5EF4-FFF2-40B4-BE49-F238E27FC236}">
+                  <a16:creationId xmlns:a16="http://schemas.microsoft.com/office/drawing/2014/main" id="{C2634840-2F74-5961-C67D-EB9A7F94886F}"/>
+                </a:ext>
+              </a:extLst>
+            </p:cNvPr>
+            <p:cNvSpPr txBox="1"/>
+            <p:nvPr/>
+          </p:nvSpPr>
+          <p:spPr>
+            <a:xfrm>
+              <a:off x="1008994" y="3272345"/>
+              <a:ext cx="620110" cy="646331"/>
+            </a:xfrm>
+            <a:prstGeom prst="rect">
+              <a:avLst/>
+            </a:prstGeom>
+            <a:noFill/>
+          </p:spPr>
+          <p:txBody>
+            <a:bodyPr wrap="square" rtlCol="0">
+              <a:spAutoFit/>
+            </a:bodyPr>
+            <a:lstStyle/>
+            <a:p>
+              <a:r>
+                <a:rPr lang="en-US" sz="3600" dirty="0"/>
+                <a:t>L5</a:t>
+              </a:r>
+            </a:p>
+          </p:txBody>
+        </p:sp>
+      </p:grpSp>
+      <p:grpSp>
+        <p:nvGrpSpPr>
+          <p:cNvPr id="19" name="Group 18">
+            <a:extLst>
+              <a:ext uri="{FF2B5EF4-FFF2-40B4-BE49-F238E27FC236}">
+                <a16:creationId xmlns:a16="http://schemas.microsoft.com/office/drawing/2014/main" id="{4D6F943C-94D8-DC18-4982-61910C506DAD}"/>
+              </a:ext>
+            </a:extLst>
+          </p:cNvPr>
+          <p:cNvGrpSpPr/>
           <p:nvPr/>
-        </p:nvPicPr>
-        <p:blipFill>
-          <a:blip r:embed="rId3"/>
-          <a:stretch>
-            <a:fillRect/>
-          </a:stretch>
-        </p:blipFill>
-        <p:spPr>
+        </p:nvGrpSpPr>
+        <p:grpSpPr>
           <a:xfrm>
-            <a:off x="2779203" y="2315356"/>
-            <a:ext cx="2095500" cy="355600"/>
-          </a:xfrm>
-          <a:prstGeom prst="rect">
-            <a:avLst/>
-          </a:prstGeom>
-        </p:spPr>
-      </p:pic>
+            <a:off x="9032984" y="3613929"/>
+            <a:ext cx="642280" cy="646331"/>
+            <a:chOff x="1008994" y="3272345"/>
+            <a:chExt cx="642280" cy="646331"/>
+          </a:xfrm>
+        </p:grpSpPr>
+        <p:sp>
+          <p:nvSpPr>
+            <p:cNvPr id="20" name="Rectangle 19">
+              <a:extLst>
+                <a:ext uri="{FF2B5EF4-FFF2-40B4-BE49-F238E27FC236}">
+                  <a16:creationId xmlns:a16="http://schemas.microsoft.com/office/drawing/2014/main" id="{465F6BFB-D9D9-E799-49D3-0BFA108B32FA}"/>
+                </a:ext>
+              </a:extLst>
+            </p:cNvPr>
+            <p:cNvSpPr/>
+            <p:nvPr/>
+          </p:nvSpPr>
+          <p:spPr>
+            <a:xfrm>
+              <a:off x="1031164" y="3385303"/>
+              <a:ext cx="620110" cy="420413"/>
+            </a:xfrm>
+            <a:prstGeom prst="rect">
+              <a:avLst/>
+            </a:prstGeom>
+            <a:solidFill>
+              <a:schemeClr val="bg1"/>
+            </a:solidFill>
+            <a:ln>
+              <a:solidFill>
+                <a:schemeClr val="bg1"/>
+              </a:solidFill>
+            </a:ln>
+          </p:spPr>
+          <p:style>
+            <a:lnRef idx="2">
+              <a:schemeClr val="accent1">
+                <a:shade val="15000"/>
+              </a:schemeClr>
+            </a:lnRef>
+            <a:fillRef idx="1">
+              <a:schemeClr val="accent1"/>
+            </a:fillRef>
+            <a:effectRef idx="0">
+              <a:schemeClr val="accent1"/>
+            </a:effectRef>
+            <a:fontRef idx="minor">
+              <a:schemeClr val="lt1"/>
+            </a:fontRef>
+          </p:style>
+          <p:txBody>
+            <a:bodyPr rtlCol="0" anchor="ctr"/>
+            <a:lstStyle/>
+            <a:p>
+              <a:pPr algn="ctr"/>
+              <a:endParaRPr lang="en-US"/>
+            </a:p>
+          </p:txBody>
+        </p:sp>
+        <p:sp>
+          <p:nvSpPr>
+            <p:cNvPr id="21" name="TextBox 20">
+              <a:extLst>
+                <a:ext uri="{FF2B5EF4-FFF2-40B4-BE49-F238E27FC236}">
+                  <a16:creationId xmlns:a16="http://schemas.microsoft.com/office/drawing/2014/main" id="{8771F3D3-D989-0F1D-1B7A-8BB56E3900D7}"/>
+                </a:ext>
+              </a:extLst>
+            </p:cNvPr>
+            <p:cNvSpPr txBox="1"/>
+            <p:nvPr/>
+          </p:nvSpPr>
+          <p:spPr>
+            <a:xfrm>
+              <a:off x="1008994" y="3272345"/>
+              <a:ext cx="620110" cy="646331"/>
+            </a:xfrm>
+            <a:prstGeom prst="rect">
+              <a:avLst/>
+            </a:prstGeom>
+            <a:noFill/>
+          </p:spPr>
+          <p:txBody>
+            <a:bodyPr wrap="square" rtlCol="0">
+              <a:spAutoFit/>
+            </a:bodyPr>
+            <a:lstStyle/>
+            <a:p>
+              <a:r>
+                <a:rPr lang="en-US" sz="3600" dirty="0"/>
+                <a:t>L6</a:t>
+              </a:r>
+            </a:p>
+          </p:txBody>
+        </p:sp>
+      </p:grpSp>
+      <p:grpSp>
+        <p:nvGrpSpPr>
+          <p:cNvPr id="22" name="Group 21">
+            <a:extLst>
+              <a:ext uri="{FF2B5EF4-FFF2-40B4-BE49-F238E27FC236}">
+                <a16:creationId xmlns:a16="http://schemas.microsoft.com/office/drawing/2014/main" id="{9173CEC8-4491-A616-5FCE-5CFE01646A9F}"/>
+              </a:ext>
+            </a:extLst>
+          </p:cNvPr>
+          <p:cNvGrpSpPr/>
+          <p:nvPr/>
+        </p:nvGrpSpPr>
+        <p:grpSpPr>
+          <a:xfrm>
+            <a:off x="3778467" y="3639448"/>
+            <a:ext cx="735725" cy="646331"/>
+            <a:chOff x="951186" y="3272343"/>
+            <a:chExt cx="735725" cy="646331"/>
+          </a:xfrm>
+        </p:grpSpPr>
+        <p:sp>
+          <p:nvSpPr>
+            <p:cNvPr id="23" name="Rectangle 22">
+              <a:extLst>
+                <a:ext uri="{FF2B5EF4-FFF2-40B4-BE49-F238E27FC236}">
+                  <a16:creationId xmlns:a16="http://schemas.microsoft.com/office/drawing/2014/main" id="{B82208CA-694E-41BC-8B7B-676A91139A56}"/>
+                </a:ext>
+              </a:extLst>
+            </p:cNvPr>
+            <p:cNvSpPr/>
+            <p:nvPr/>
+          </p:nvSpPr>
+          <p:spPr>
+            <a:xfrm>
+              <a:off x="1031164" y="3385303"/>
+              <a:ext cx="620110" cy="420413"/>
+            </a:xfrm>
+            <a:prstGeom prst="rect">
+              <a:avLst/>
+            </a:prstGeom>
+            <a:solidFill>
+              <a:schemeClr val="bg1"/>
+            </a:solidFill>
+            <a:ln>
+              <a:solidFill>
+                <a:schemeClr val="bg1"/>
+              </a:solidFill>
+            </a:ln>
+          </p:spPr>
+          <p:style>
+            <a:lnRef idx="2">
+              <a:schemeClr val="accent1">
+                <a:shade val="15000"/>
+              </a:schemeClr>
+            </a:lnRef>
+            <a:fillRef idx="1">
+              <a:schemeClr val="accent1"/>
+            </a:fillRef>
+            <a:effectRef idx="0">
+              <a:schemeClr val="accent1"/>
+            </a:effectRef>
+            <a:fontRef idx="minor">
+              <a:schemeClr val="lt1"/>
+            </a:fontRef>
+          </p:style>
+          <p:txBody>
+            <a:bodyPr rtlCol="0" anchor="ctr"/>
+            <a:lstStyle/>
+            <a:p>
+              <a:pPr algn="ctr"/>
+              <a:endParaRPr lang="en-US"/>
+            </a:p>
+          </p:txBody>
+        </p:sp>
+        <p:sp>
+          <p:nvSpPr>
+            <p:cNvPr id="24" name="TextBox 23">
+              <a:extLst>
+                <a:ext uri="{FF2B5EF4-FFF2-40B4-BE49-F238E27FC236}">
+                  <a16:creationId xmlns:a16="http://schemas.microsoft.com/office/drawing/2014/main" id="{9DA8B561-6B3C-1E4C-6719-BDCEAECBB952}"/>
+                </a:ext>
+              </a:extLst>
+            </p:cNvPr>
+            <p:cNvSpPr txBox="1"/>
+            <p:nvPr/>
+          </p:nvSpPr>
+          <p:spPr>
+            <a:xfrm>
+              <a:off x="951186" y="3272343"/>
+              <a:ext cx="735725" cy="646331"/>
+            </a:xfrm>
+            <a:prstGeom prst="rect">
+              <a:avLst/>
+            </a:prstGeom>
+            <a:noFill/>
+          </p:spPr>
+          <p:txBody>
+            <a:bodyPr wrap="square" rtlCol="0">
+              <a:spAutoFit/>
+            </a:bodyPr>
+            <a:lstStyle/>
+            <a:p>
+              <a:pPr algn="ctr"/>
+              <a:r>
+                <a:rPr lang="en-US" sz="3600" dirty="0"/>
+                <a:t>I1</a:t>
+              </a:r>
+            </a:p>
+          </p:txBody>
+        </p:sp>
+      </p:grpSp>
+      <p:grpSp>
+        <p:nvGrpSpPr>
+          <p:cNvPr id="26" name="Group 25">
+            <a:extLst>
+              <a:ext uri="{FF2B5EF4-FFF2-40B4-BE49-F238E27FC236}">
+                <a16:creationId xmlns:a16="http://schemas.microsoft.com/office/drawing/2014/main" id="{D84B4C23-64D7-681D-9B35-EE0855565632}"/>
+              </a:ext>
+            </a:extLst>
+          </p:cNvPr>
+          <p:cNvGrpSpPr/>
+          <p:nvPr/>
+        </p:nvGrpSpPr>
+        <p:grpSpPr>
+          <a:xfrm>
+            <a:off x="4442918" y="2595236"/>
+            <a:ext cx="735725" cy="646331"/>
+            <a:chOff x="951186" y="3272343"/>
+            <a:chExt cx="735725" cy="646331"/>
+          </a:xfrm>
+        </p:grpSpPr>
+        <p:sp>
+          <p:nvSpPr>
+            <p:cNvPr id="27" name="Rectangle 26">
+              <a:extLst>
+                <a:ext uri="{FF2B5EF4-FFF2-40B4-BE49-F238E27FC236}">
+                  <a16:creationId xmlns:a16="http://schemas.microsoft.com/office/drawing/2014/main" id="{629B2157-B46F-806C-2BBE-E6B756F5C28F}"/>
+                </a:ext>
+              </a:extLst>
+            </p:cNvPr>
+            <p:cNvSpPr/>
+            <p:nvPr/>
+          </p:nvSpPr>
+          <p:spPr>
+            <a:xfrm>
+              <a:off x="1031164" y="3385303"/>
+              <a:ext cx="620110" cy="420413"/>
+            </a:xfrm>
+            <a:prstGeom prst="rect">
+              <a:avLst/>
+            </a:prstGeom>
+            <a:solidFill>
+              <a:schemeClr val="bg1"/>
+            </a:solidFill>
+            <a:ln>
+              <a:solidFill>
+                <a:schemeClr val="bg1"/>
+              </a:solidFill>
+            </a:ln>
+          </p:spPr>
+          <p:style>
+            <a:lnRef idx="2">
+              <a:schemeClr val="accent1">
+                <a:shade val="15000"/>
+              </a:schemeClr>
+            </a:lnRef>
+            <a:fillRef idx="1">
+              <a:schemeClr val="accent1"/>
+            </a:fillRef>
+            <a:effectRef idx="0">
+              <a:schemeClr val="accent1"/>
+            </a:effectRef>
+            <a:fontRef idx="minor">
+              <a:schemeClr val="lt1"/>
+            </a:fontRef>
+          </p:style>
+          <p:txBody>
+            <a:bodyPr rtlCol="0" anchor="ctr"/>
+            <a:lstStyle/>
+            <a:p>
+              <a:pPr algn="ctr"/>
+              <a:endParaRPr lang="en-US"/>
+            </a:p>
+          </p:txBody>
+        </p:sp>
+        <p:sp>
+          <p:nvSpPr>
+            <p:cNvPr id="28" name="TextBox 27">
+              <a:extLst>
+                <a:ext uri="{FF2B5EF4-FFF2-40B4-BE49-F238E27FC236}">
+                  <a16:creationId xmlns:a16="http://schemas.microsoft.com/office/drawing/2014/main" id="{159EF935-0CE8-6C58-65DC-AC01ECEF44EC}"/>
+                </a:ext>
+              </a:extLst>
+            </p:cNvPr>
+            <p:cNvSpPr txBox="1"/>
+            <p:nvPr/>
+          </p:nvSpPr>
+          <p:spPr>
+            <a:xfrm>
+              <a:off x="951186" y="3272343"/>
+              <a:ext cx="735725" cy="646331"/>
+            </a:xfrm>
+            <a:prstGeom prst="rect">
+              <a:avLst/>
+            </a:prstGeom>
+            <a:noFill/>
+          </p:spPr>
+          <p:txBody>
+            <a:bodyPr wrap="square" rtlCol="0">
+              <a:spAutoFit/>
+            </a:bodyPr>
+            <a:lstStyle/>
+            <a:p>
+              <a:pPr algn="ctr"/>
+              <a:r>
+                <a:rPr lang="en-US" sz="3600" dirty="0"/>
+                <a:t>I2</a:t>
+              </a:r>
+            </a:p>
+          </p:txBody>
+        </p:sp>
+      </p:grpSp>
+      <p:grpSp>
+        <p:nvGrpSpPr>
+          <p:cNvPr id="29" name="Group 28">
+            <a:extLst>
+              <a:ext uri="{FF2B5EF4-FFF2-40B4-BE49-F238E27FC236}">
+                <a16:creationId xmlns:a16="http://schemas.microsoft.com/office/drawing/2014/main" id="{D2738617-0907-8675-C416-581D10B48F89}"/>
+              </a:ext>
+            </a:extLst>
+          </p:cNvPr>
+          <p:cNvGrpSpPr/>
+          <p:nvPr/>
+        </p:nvGrpSpPr>
+        <p:grpSpPr>
+          <a:xfrm>
+            <a:off x="8311875" y="2587954"/>
+            <a:ext cx="735725" cy="646331"/>
+            <a:chOff x="951186" y="3272343"/>
+            <a:chExt cx="735725" cy="646331"/>
+          </a:xfrm>
+        </p:grpSpPr>
+        <p:sp>
+          <p:nvSpPr>
+            <p:cNvPr id="30" name="Rectangle 29">
+              <a:extLst>
+                <a:ext uri="{FF2B5EF4-FFF2-40B4-BE49-F238E27FC236}">
+                  <a16:creationId xmlns:a16="http://schemas.microsoft.com/office/drawing/2014/main" id="{8BED25FC-1E84-AD49-3C7D-223E2D3BD6D2}"/>
+                </a:ext>
+              </a:extLst>
+            </p:cNvPr>
+            <p:cNvSpPr/>
+            <p:nvPr/>
+          </p:nvSpPr>
+          <p:spPr>
+            <a:xfrm>
+              <a:off x="1031164" y="3385303"/>
+              <a:ext cx="620110" cy="420413"/>
+            </a:xfrm>
+            <a:prstGeom prst="rect">
+              <a:avLst/>
+            </a:prstGeom>
+            <a:solidFill>
+              <a:schemeClr val="bg1"/>
+            </a:solidFill>
+            <a:ln>
+              <a:solidFill>
+                <a:schemeClr val="bg1"/>
+              </a:solidFill>
+            </a:ln>
+          </p:spPr>
+          <p:style>
+            <a:lnRef idx="2">
+              <a:schemeClr val="accent1">
+                <a:shade val="15000"/>
+              </a:schemeClr>
+            </a:lnRef>
+            <a:fillRef idx="1">
+              <a:schemeClr val="accent1"/>
+            </a:fillRef>
+            <a:effectRef idx="0">
+              <a:schemeClr val="accent1"/>
+            </a:effectRef>
+            <a:fontRef idx="minor">
+              <a:schemeClr val="lt1"/>
+            </a:fontRef>
+          </p:style>
+          <p:txBody>
+            <a:bodyPr rtlCol="0" anchor="ctr"/>
+            <a:lstStyle/>
+            <a:p>
+              <a:pPr algn="ctr"/>
+              <a:endParaRPr lang="en-US"/>
+            </a:p>
+          </p:txBody>
+        </p:sp>
+        <p:sp>
+          <p:nvSpPr>
+            <p:cNvPr id="31" name="TextBox 30">
+              <a:extLst>
+                <a:ext uri="{FF2B5EF4-FFF2-40B4-BE49-F238E27FC236}">
+                  <a16:creationId xmlns:a16="http://schemas.microsoft.com/office/drawing/2014/main" id="{427FB6AA-3C0C-E154-4668-DD46B3DBD9F0}"/>
+                </a:ext>
+              </a:extLst>
+            </p:cNvPr>
+            <p:cNvSpPr txBox="1"/>
+            <p:nvPr/>
+          </p:nvSpPr>
+          <p:spPr>
+            <a:xfrm>
+              <a:off x="951186" y="3272343"/>
+              <a:ext cx="735725" cy="646331"/>
+            </a:xfrm>
+            <a:prstGeom prst="rect">
+              <a:avLst/>
+            </a:prstGeom>
+            <a:noFill/>
+          </p:spPr>
+          <p:txBody>
+            <a:bodyPr wrap="square" rtlCol="0">
+              <a:spAutoFit/>
+            </a:bodyPr>
+            <a:lstStyle/>
+            <a:p>
+              <a:pPr algn="ctr"/>
+              <a:r>
+                <a:rPr lang="en-US" sz="3600" dirty="0"/>
+                <a:t>I3</a:t>
+              </a:r>
+            </a:p>
+          </p:txBody>
+        </p:sp>
+      </p:grpSp>
+      <p:grpSp>
+        <p:nvGrpSpPr>
+          <p:cNvPr id="32" name="Group 31">
+            <a:extLst>
+              <a:ext uri="{FF2B5EF4-FFF2-40B4-BE49-F238E27FC236}">
+                <a16:creationId xmlns:a16="http://schemas.microsoft.com/office/drawing/2014/main" id="{E33CFCDE-B33E-6895-170F-046F6E0266C1}"/>
+              </a:ext>
+            </a:extLst>
+          </p:cNvPr>
+          <p:cNvGrpSpPr/>
+          <p:nvPr/>
+        </p:nvGrpSpPr>
+        <p:grpSpPr>
+          <a:xfrm>
+            <a:off x="5728136" y="1490352"/>
+            <a:ext cx="735725" cy="646331"/>
+            <a:chOff x="951186" y="3272343"/>
+            <a:chExt cx="735725" cy="646331"/>
+          </a:xfrm>
+        </p:grpSpPr>
+        <p:sp>
+          <p:nvSpPr>
+            <p:cNvPr id="33" name="Rectangle 32">
+              <a:extLst>
+                <a:ext uri="{FF2B5EF4-FFF2-40B4-BE49-F238E27FC236}">
+                  <a16:creationId xmlns:a16="http://schemas.microsoft.com/office/drawing/2014/main" id="{D1240DA7-CFE5-9C49-73D4-C2F25FEC51CF}"/>
+                </a:ext>
+              </a:extLst>
+            </p:cNvPr>
+            <p:cNvSpPr/>
+            <p:nvPr/>
+          </p:nvSpPr>
+          <p:spPr>
+            <a:xfrm>
+              <a:off x="1031164" y="3385303"/>
+              <a:ext cx="620110" cy="420413"/>
+            </a:xfrm>
+            <a:prstGeom prst="rect">
+              <a:avLst/>
+            </a:prstGeom>
+            <a:solidFill>
+              <a:schemeClr val="bg1"/>
+            </a:solidFill>
+            <a:ln>
+              <a:solidFill>
+                <a:schemeClr val="bg1"/>
+              </a:solidFill>
+            </a:ln>
+          </p:spPr>
+          <p:style>
+            <a:lnRef idx="2">
+              <a:schemeClr val="accent1">
+                <a:shade val="15000"/>
+              </a:schemeClr>
+            </a:lnRef>
+            <a:fillRef idx="1">
+              <a:schemeClr val="accent1"/>
+            </a:fillRef>
+            <a:effectRef idx="0">
+              <a:schemeClr val="accent1"/>
+            </a:effectRef>
+            <a:fontRef idx="minor">
+              <a:schemeClr val="lt1"/>
+            </a:fontRef>
+          </p:style>
+          <p:txBody>
+            <a:bodyPr rtlCol="0" anchor="ctr"/>
+            <a:lstStyle/>
+            <a:p>
+              <a:pPr algn="ctr"/>
+              <a:endParaRPr lang="en-US"/>
+            </a:p>
+          </p:txBody>
+        </p:sp>
+        <p:sp>
+          <p:nvSpPr>
+            <p:cNvPr id="34" name="TextBox 33">
+              <a:extLst>
+                <a:ext uri="{FF2B5EF4-FFF2-40B4-BE49-F238E27FC236}">
+                  <a16:creationId xmlns:a16="http://schemas.microsoft.com/office/drawing/2014/main" id="{0EB39F20-FC76-D3D1-E9DB-7BDF4F5119C2}"/>
+                </a:ext>
+              </a:extLst>
+            </p:cNvPr>
+            <p:cNvSpPr txBox="1"/>
+            <p:nvPr/>
+          </p:nvSpPr>
+          <p:spPr>
+            <a:xfrm>
+              <a:off x="951186" y="3272343"/>
+              <a:ext cx="735725" cy="646331"/>
+            </a:xfrm>
+            <a:prstGeom prst="rect">
+              <a:avLst/>
+            </a:prstGeom>
+            <a:noFill/>
+          </p:spPr>
+          <p:txBody>
+            <a:bodyPr wrap="square" rtlCol="0">
+              <a:spAutoFit/>
+            </a:bodyPr>
+            <a:lstStyle/>
+            <a:p>
+              <a:pPr algn="ctr"/>
+              <a:r>
+                <a:rPr lang="en-US" sz="3600" dirty="0"/>
+                <a:t>I4</a:t>
+              </a:r>
+            </a:p>
+          </p:txBody>
+        </p:sp>
+      </p:grpSp>
     </p:spTree>
     <p:extLst>
       <p:ext uri="{BB962C8B-B14F-4D97-AF65-F5344CB8AC3E}">
-        <p14:creationId xmlns:p14="http://schemas.microsoft.com/office/powerpoint/2010/main" val="3615157144"/>
+        <p14:creationId xmlns:p14="http://schemas.microsoft.com/office/powerpoint/2010/main" val="3896704217"/>
       </p:ext>
     </p:extLst>
   </p:cSld>
@@ -6225,7 +8705,7 @@
           <p:cNvPr id="2" name="Picture 1">
             <a:extLst>
               <a:ext uri="{FF2B5EF4-FFF2-40B4-BE49-F238E27FC236}">
-                <a16:creationId xmlns:a16="http://schemas.microsoft.com/office/drawing/2014/main" id="{01355307-B39A-0C53-80E2-136F412AF4FB}"/>
+                <a16:creationId xmlns:a16="http://schemas.microsoft.com/office/drawing/2014/main" id="{0ADDDF37-08EE-F38F-C857-9DF6A64B3B5C}"/>
               </a:ext>
             </a:extLst>
           </p:cNvPr>
@@ -6242,8 +8722,8 @@
         </p:blipFill>
         <p:spPr>
           <a:xfrm>
-            <a:off x="1376423" y="579043"/>
-            <a:ext cx="7772400" cy="4871942"/>
+            <a:off x="867137" y="535480"/>
+            <a:ext cx="7772400" cy="4777336"/>
           </a:xfrm>
           <a:prstGeom prst="rect">
             <a:avLst/>
@@ -6489,10 +8969,10 @@
       </p:cxnSp>
       <p:pic>
         <p:nvPicPr>
-          <p:cNvPr id="6" name="Picture 5">
-            <a:extLst>
-              <a:ext uri="{FF2B5EF4-FFF2-40B4-BE49-F238E27FC236}">
-                <a16:creationId xmlns:a16="http://schemas.microsoft.com/office/drawing/2014/main" id="{71F30E0D-70A8-CD17-3613-C0B996EF2838}"/>
+          <p:cNvPr id="12" name="Picture 11">
+            <a:extLst>
+              <a:ext uri="{FF2B5EF4-FFF2-40B4-BE49-F238E27FC236}">
+                <a16:creationId xmlns:a16="http://schemas.microsoft.com/office/drawing/2014/main" id="{3E4117B4-E9E3-87BD-EEB5-6F2C259A784A}"/>
               </a:ext>
             </a:extLst>
           </p:cNvPr>
@@ -6509,7 +8989,7 @@
         </p:blipFill>
         <p:spPr>
           <a:xfrm>
-            <a:off x="3262535" y="2362196"/>
+            <a:off x="2779203" y="2315356"/>
             <a:ext cx="2095500" cy="355600"/>
           </a:xfrm>
           <a:prstGeom prst="rect">
@@ -6520,7 +9000,7 @@
     </p:spTree>
     <p:extLst>
       <p:ext uri="{BB962C8B-B14F-4D97-AF65-F5344CB8AC3E}">
-        <p14:creationId xmlns:p14="http://schemas.microsoft.com/office/powerpoint/2010/main" val="684187631"/>
+        <p14:creationId xmlns:p14="http://schemas.microsoft.com/office/powerpoint/2010/main" val="3615157144"/>
       </p:ext>
     </p:extLst>
   </p:cSld>
